--- a/기업업무 과제/기업업무 3강 과제(JSP) 남정현.pptx
+++ b/기업업무 과제/기업업무 3강 과제(JSP) 남정현.pptx
@@ -15,23 +15,22 @@
     <p:sldId id="263" r:id="rId9"/>
     <p:sldId id="264" r:id="rId10"/>
     <p:sldId id="265" r:id="rId11"/>
-    <p:sldId id="266" r:id="rId12"/>
-    <p:sldId id="267" r:id="rId13"/>
-    <p:sldId id="270" r:id="rId14"/>
-    <p:sldId id="268" r:id="rId15"/>
-    <p:sldId id="271" r:id="rId16"/>
-    <p:sldId id="269" r:id="rId17"/>
-    <p:sldId id="272" r:id="rId18"/>
-    <p:sldId id="273" r:id="rId19"/>
-    <p:sldId id="274" r:id="rId20"/>
-    <p:sldId id="280" r:id="rId21"/>
-    <p:sldId id="281" r:id="rId22"/>
-    <p:sldId id="276" r:id="rId23"/>
-    <p:sldId id="282" r:id="rId24"/>
-    <p:sldId id="283" r:id="rId25"/>
-    <p:sldId id="277" r:id="rId26"/>
-    <p:sldId id="284" r:id="rId27"/>
-    <p:sldId id="285" r:id="rId28"/>
+    <p:sldId id="267" r:id="rId12"/>
+    <p:sldId id="270" r:id="rId13"/>
+    <p:sldId id="268" r:id="rId14"/>
+    <p:sldId id="271" r:id="rId15"/>
+    <p:sldId id="269" r:id="rId16"/>
+    <p:sldId id="272" r:id="rId17"/>
+    <p:sldId id="273" r:id="rId18"/>
+    <p:sldId id="274" r:id="rId19"/>
+    <p:sldId id="280" r:id="rId20"/>
+    <p:sldId id="281" r:id="rId21"/>
+    <p:sldId id="276" r:id="rId22"/>
+    <p:sldId id="282" r:id="rId23"/>
+    <p:sldId id="283" r:id="rId24"/>
+    <p:sldId id="277" r:id="rId25"/>
+    <p:sldId id="284" r:id="rId26"/>
+    <p:sldId id="285" r:id="rId27"/>
   </p:sldIdLst>
   <p:sldSz cx="12192000" cy="6858000"/>
   <p:notesSz cx="6858000" cy="9144000"/>
@@ -5097,9 +5096,17 @@
               <a:rPr lang="en-US" altLang="ko-KR" sz="1600" dirty="0"/>
               <a:t>2</a:t>
             </a:r>
+            <a:r>
+              <a:rPr lang="ko-KR" altLang="en-US" sz="1600" dirty="0"/>
+              <a:t/>
+            </a:r>
             <a:br>
               <a:rPr lang="ko-KR" altLang="en-US" sz="1600" dirty="0"/>
             </a:br>
+            <a:r>
+              <a:rPr lang="en-US" altLang="ko-KR" sz="1600" dirty="0"/>
+              <a:t/>
+            </a:r>
             <a:br>
               <a:rPr lang="en-US" altLang="ko-KR" sz="1600" dirty="0"/>
             </a:br>
@@ -5107,15 +5114,49 @@
           </a:p>
         </p:txBody>
       </p:sp>
-      <p:pic>
-        <p:nvPicPr>
-          <p:cNvPr id="5" name="그림 4">
+      <p:sp>
+        <p:nvSpPr>
+          <p:cNvPr id="9" name="TextBox 8">
             <a:extLst>
               <a:ext uri="{FF2B5EF4-FFF2-40B4-BE49-F238E27FC236}">
-                <a16:creationId xmlns:a16="http://schemas.microsoft.com/office/drawing/2014/main" id="{78F10C85-146B-0485-6A1F-99FA1DD29E83}"/>
+                <a16:creationId xmlns:a16="http://schemas.microsoft.com/office/drawing/2014/main" xmlns="" id="{69FBB590-E29E-15D8-86B5-58E8CB9B7832}"/>
               </a:ext>
             </a:extLst>
           </p:cNvPr>
+          <p:cNvSpPr txBox="1"/>
+          <p:nvPr/>
+        </p:nvSpPr>
+        <p:spPr>
+          <a:xfrm>
+            <a:off x="7597834" y="4909433"/>
+            <a:ext cx="4361410" cy="923330"/>
+          </a:xfrm>
+          <a:prstGeom prst="rect">
+            <a:avLst/>
+          </a:prstGeom>
+          <a:noFill/>
+        </p:spPr>
+        <p:txBody>
+          <a:bodyPr wrap="square" rtlCol="0">
+            <a:spAutoFit/>
+          </a:bodyPr>
+          <a:lstStyle/>
+          <a:p>
+            <a:r>
+              <a:rPr lang="en-US" altLang="ko-KR" sz="1800" dirty="0"/>
+              <a:t>JSP</a:t>
+            </a:r>
+            <a:r>
+              <a:rPr lang="ko-KR" altLang="en-US" sz="1800" dirty="0"/>
+              <a:t>에서 에러가 나는 경우 에러상황이 자세히 표시되는데 프로그램내용이 노출되는 보안취약성이 있다</a:t>
+            </a:r>
+            <a:endParaRPr lang="ko-KR" altLang="en-US" dirty="0"/>
+          </a:p>
+        </p:txBody>
+      </p:sp>
+      <p:pic>
+        <p:nvPicPr>
+          <p:cNvPr id="3" name="그림 2"/>
           <p:cNvPicPr>
             <a:picLocks noChangeAspect="1"/>
           </p:cNvPicPr>
@@ -5129,8 +5170,8 @@
         </p:blipFill>
         <p:spPr>
           <a:xfrm>
-            <a:off x="2816055" y="1526511"/>
-            <a:ext cx="6559887" cy="2375022"/>
+            <a:off x="3120910" y="801821"/>
+            <a:ext cx="5896798" cy="3296110"/>
           </a:xfrm>
           <a:prstGeom prst="rect">
             <a:avLst/>
@@ -5139,13 +5180,7 @@
       </p:pic>
       <p:pic>
         <p:nvPicPr>
-          <p:cNvPr id="8" name="그림 7">
-            <a:extLst>
-              <a:ext uri="{FF2B5EF4-FFF2-40B4-BE49-F238E27FC236}">
-                <a16:creationId xmlns:a16="http://schemas.microsoft.com/office/drawing/2014/main" id="{3783E159-19A8-37F1-2C62-37F886E117CA}"/>
-              </a:ext>
-            </a:extLst>
-          </p:cNvPr>
+          <p:cNvPr id="4" name="그림 3"/>
           <p:cNvPicPr>
             <a:picLocks noChangeAspect="1"/>
           </p:cNvPicPr>
@@ -5159,54 +5194,14 @@
         </p:blipFill>
         <p:spPr>
           <a:xfrm>
-            <a:off x="1499727" y="4974855"/>
-            <a:ext cx="4978656" cy="831893"/>
+            <a:off x="3120910" y="4751886"/>
+            <a:ext cx="3429479" cy="1238423"/>
           </a:xfrm>
           <a:prstGeom prst="rect">
             <a:avLst/>
           </a:prstGeom>
         </p:spPr>
       </p:pic>
-      <p:sp>
-        <p:nvSpPr>
-          <p:cNvPr id="9" name="TextBox 8">
-            <a:extLst>
-              <a:ext uri="{FF2B5EF4-FFF2-40B4-BE49-F238E27FC236}">
-                <a16:creationId xmlns:a16="http://schemas.microsoft.com/office/drawing/2014/main" id="{69FBB590-E29E-15D8-86B5-58E8CB9B7832}"/>
-              </a:ext>
-            </a:extLst>
-          </p:cNvPr>
-          <p:cNvSpPr txBox="1"/>
-          <p:nvPr/>
-        </p:nvSpPr>
-        <p:spPr>
-          <a:xfrm>
-            <a:off x="7597834" y="4909433"/>
-            <a:ext cx="4361410" cy="923330"/>
-          </a:xfrm>
-          <a:prstGeom prst="rect">
-            <a:avLst/>
-          </a:prstGeom>
-          <a:noFill/>
-        </p:spPr>
-        <p:txBody>
-          <a:bodyPr wrap="square" rtlCol="0">
-            <a:spAutoFit/>
-          </a:bodyPr>
-          <a:lstStyle/>
-          <a:p>
-            <a:r>
-              <a:rPr lang="en-US" altLang="ko-KR" sz="1800" dirty="0"/>
-              <a:t>JSP</a:t>
-            </a:r>
-            <a:r>
-              <a:rPr lang="ko-KR" altLang="en-US" sz="1800" dirty="0"/>
-              <a:t>에서 에러가 나는 경우 에러상황이 자세히 표시되는데 프로그램내용이 노출되는 보안취약성이 있다</a:t>
-            </a:r>
-            <a:endParaRPr lang="ko-KR" altLang="en-US" dirty="0"/>
-          </a:p>
-        </p:txBody>
-      </p:sp>
     </p:spTree>
     <p:extLst>
       <p:ext uri="{BB962C8B-B14F-4D97-AF65-F5344CB8AC3E}">
@@ -5265,7 +5260,7 @@
             </a:r>
             <a:r>
               <a:rPr lang="en-US" altLang="ko-KR" sz="1600" dirty="0"/>
-              <a:t>17-(2) </a:t>
+              <a:t>19 </a:t>
             </a:r>
             <a:r>
               <a:rPr lang="ko-KR" altLang="en-US" sz="1600" dirty="0"/>
@@ -5273,21 +5268,30 @@
             </a:r>
             <a:r>
               <a:rPr lang="en-US" altLang="ko-KR" sz="1600" dirty="0"/>
-              <a:t>- JSP </a:t>
+              <a:t>- </a:t>
             </a:r>
             <a:r>
               <a:rPr lang="ko-KR" altLang="en-US" sz="1600" dirty="0"/>
-              <a:t>예외 처리</a:t>
+              <a:t>인자 </a:t>
             </a:r>
             <a:r>
               <a:rPr lang="en-US" altLang="ko-KR" sz="1600" dirty="0"/>
-              <a:t>2</a:t>
+              <a:t>(parameter)</a:t>
+            </a:r>
+            <a:r>
+              <a:rPr lang="ko-KR" altLang="en-US" sz="1600" dirty="0"/>
+              <a:t>를</a:t>
+            </a:r>
+            <a:r>
+              <a:rPr lang="en-US" altLang="ko-KR" sz="1600" dirty="0"/>
+              <a:t> </a:t>
+            </a:r>
+            <a:r>
+              <a:rPr lang="ko-KR" altLang="en-US" sz="1600" dirty="0"/>
+              <a:t>받아 처리</a:t>
             </a:r>
             <a:br>
               <a:rPr lang="ko-KR" altLang="en-US" sz="1600" dirty="0"/>
-            </a:br>
-            <a:br>
-              <a:rPr lang="en-US" altLang="ko-KR" sz="1600" dirty="0"/>
             </a:br>
             <a:endParaRPr lang="ko-KR" altLang="en-US" sz="1600" dirty="0"/>
           </a:p>
@@ -5298,7 +5302,7 @@
           <p:cNvPr id="5" name="그림 4">
             <a:extLst>
               <a:ext uri="{FF2B5EF4-FFF2-40B4-BE49-F238E27FC236}">
-                <a16:creationId xmlns:a16="http://schemas.microsoft.com/office/drawing/2014/main" id="{79A81507-C093-A456-5649-ADCC8BC5B344}"/>
+                <a16:creationId xmlns:a16="http://schemas.microsoft.com/office/drawing/2014/main" xmlns="" id="{B2169187-77B5-2A75-BECF-9242A0FF8B93}"/>
               </a:ext>
             </a:extLst>
           </p:cNvPr>
@@ -5315,83 +5319,18 @@
         </p:blipFill>
         <p:spPr>
           <a:xfrm>
-            <a:off x="721895" y="2422473"/>
-            <a:ext cx="6064562" cy="2013053"/>
+            <a:off x="721895" y="1806491"/>
+            <a:ext cx="11265479" cy="3245017"/>
           </a:xfrm>
           <a:prstGeom prst="rect">
             <a:avLst/>
           </a:prstGeom>
         </p:spPr>
       </p:pic>
-      <p:pic>
-        <p:nvPicPr>
-          <p:cNvPr id="8" name="그림 7">
-            <a:extLst>
-              <a:ext uri="{FF2B5EF4-FFF2-40B4-BE49-F238E27FC236}">
-                <a16:creationId xmlns:a16="http://schemas.microsoft.com/office/drawing/2014/main" id="{4633C2FA-23E0-3890-6A0E-0A0094EC31E8}"/>
-              </a:ext>
-            </a:extLst>
-          </p:cNvPr>
-          <p:cNvPicPr>
-            <a:picLocks noChangeAspect="1"/>
-          </p:cNvPicPr>
-          <p:nvPr/>
-        </p:nvPicPr>
-        <p:blipFill>
-          <a:blip r:embed="rId3"/>
-          <a:stretch>
-            <a:fillRect/>
-          </a:stretch>
-        </p:blipFill>
-        <p:spPr>
-          <a:xfrm>
-            <a:off x="7274626" y="2733650"/>
-            <a:ext cx="4195479" cy="1064682"/>
-          </a:xfrm>
-          <a:prstGeom prst="rect">
-            <a:avLst/>
-          </a:prstGeom>
-        </p:spPr>
-      </p:pic>
-      <p:sp>
-        <p:nvSpPr>
-          <p:cNvPr id="9" name="TextBox 8">
-            <a:extLst>
-              <a:ext uri="{FF2B5EF4-FFF2-40B4-BE49-F238E27FC236}">
-                <a16:creationId xmlns:a16="http://schemas.microsoft.com/office/drawing/2014/main" id="{ACDF5EDF-1538-8694-BC5E-552B8EFF94B1}"/>
-              </a:ext>
-            </a:extLst>
-          </p:cNvPr>
-          <p:cNvSpPr txBox="1"/>
-          <p:nvPr/>
-        </p:nvSpPr>
-        <p:spPr>
-          <a:xfrm>
-            <a:off x="8728785" y="4066194"/>
-            <a:ext cx="1287160" cy="369332"/>
-          </a:xfrm>
-          <a:prstGeom prst="rect">
-            <a:avLst/>
-          </a:prstGeom>
-          <a:noFill/>
-        </p:spPr>
-        <p:txBody>
-          <a:bodyPr wrap="square" rtlCol="0">
-            <a:spAutoFit/>
-          </a:bodyPr>
-          <a:lstStyle/>
-          <a:p>
-            <a:r>
-              <a:rPr lang="ko-KR" altLang="en-US"/>
-              <a:t>출력 결과</a:t>
-            </a:r>
-          </a:p>
-        </p:txBody>
-      </p:sp>
     </p:spTree>
     <p:extLst>
       <p:ext uri="{BB962C8B-B14F-4D97-AF65-F5344CB8AC3E}">
-        <p14:creationId xmlns:p14="http://schemas.microsoft.com/office/powerpoint/2010/main" val="4202841287"/>
+        <p14:creationId xmlns:p14="http://schemas.microsoft.com/office/powerpoint/2010/main" val="87313276"/>
       </p:ext>
     </p:extLst>
   </p:cSld>
@@ -5441,43 +5380,43 @@
           <a:lstStyle/>
           <a:p>
             <a:r>
-              <a:rPr lang="ko-KR" altLang="en-US" sz="1600" dirty="0"/>
+              <a:rPr lang="ko-KR" altLang="en-US" sz="1600"/>
               <a:t>슬라이드 </a:t>
             </a:r>
             <a:r>
-              <a:rPr lang="en-US" altLang="ko-KR" sz="1600" dirty="0"/>
+              <a:rPr lang="en-US" altLang="ko-KR" sz="1600"/>
               <a:t>19 </a:t>
             </a:r>
             <a:r>
-              <a:rPr lang="ko-KR" altLang="en-US" sz="1600" dirty="0"/>
+              <a:rPr lang="ko-KR" altLang="en-US" sz="1600"/>
               <a:t>실습 </a:t>
             </a:r>
             <a:r>
-              <a:rPr lang="en-US" altLang="ko-KR" sz="1600" dirty="0"/>
+              <a:rPr lang="en-US" altLang="ko-KR" sz="1600"/>
               <a:t>- </a:t>
             </a:r>
             <a:r>
-              <a:rPr lang="ko-KR" altLang="en-US" sz="1600" dirty="0"/>
+              <a:rPr lang="ko-KR" altLang="en-US" sz="1600"/>
               <a:t>인자 </a:t>
             </a:r>
             <a:r>
-              <a:rPr lang="en-US" altLang="ko-KR" sz="1600" dirty="0"/>
+              <a:rPr lang="en-US" altLang="ko-KR" sz="1600"/>
               <a:t>(parameter)</a:t>
             </a:r>
             <a:r>
-              <a:rPr lang="ko-KR" altLang="en-US" sz="1600" dirty="0"/>
+              <a:rPr lang="ko-KR" altLang="en-US" sz="1600"/>
               <a:t>를</a:t>
             </a:r>
             <a:r>
-              <a:rPr lang="en-US" altLang="ko-KR" sz="1600" dirty="0"/>
+              <a:rPr lang="en-US" altLang="ko-KR" sz="1600"/>
               <a:t> </a:t>
             </a:r>
             <a:r>
-              <a:rPr lang="ko-KR" altLang="en-US" sz="1600" dirty="0"/>
+              <a:rPr lang="ko-KR" altLang="en-US" sz="1600"/>
               <a:t>받아 처리</a:t>
             </a:r>
             <a:br>
-              <a:rPr lang="ko-KR" altLang="en-US" sz="1600" dirty="0"/>
+              <a:rPr lang="ko-KR" altLang="en-US" sz="1600"/>
             </a:br>
             <a:endParaRPr lang="ko-KR" altLang="en-US" sz="1600" dirty="0"/>
           </a:p>
@@ -5485,10 +5424,10 @@
       </p:sp>
       <p:pic>
         <p:nvPicPr>
-          <p:cNvPr id="5" name="그림 4">
+          <p:cNvPr id="4" name="그림 3">
             <a:extLst>
               <a:ext uri="{FF2B5EF4-FFF2-40B4-BE49-F238E27FC236}">
-                <a16:creationId xmlns:a16="http://schemas.microsoft.com/office/drawing/2014/main" id="{B2169187-77B5-2A75-BECF-9242A0FF8B93}"/>
+                <a16:creationId xmlns:a16="http://schemas.microsoft.com/office/drawing/2014/main" xmlns="" id="{DD094B72-6F46-A006-EEAF-EE324B397FA5}"/>
               </a:ext>
             </a:extLst>
           </p:cNvPr>
@@ -5505,18 +5444,61 @@
         </p:blipFill>
         <p:spPr>
           <a:xfrm>
-            <a:off x="721895" y="1806491"/>
-            <a:ext cx="11265479" cy="3245017"/>
+            <a:off x="1193185" y="2563136"/>
+            <a:ext cx="4902815" cy="1731728"/>
           </a:xfrm>
           <a:prstGeom prst="rect">
             <a:avLst/>
           </a:prstGeom>
         </p:spPr>
       </p:pic>
+      <p:sp>
+        <p:nvSpPr>
+          <p:cNvPr id="6" name="TextBox 5">
+            <a:extLst>
+              <a:ext uri="{FF2B5EF4-FFF2-40B4-BE49-F238E27FC236}">
+                <a16:creationId xmlns:a16="http://schemas.microsoft.com/office/drawing/2014/main" xmlns="" id="{31564344-46B0-0291-2098-834D7BEBB658}"/>
+              </a:ext>
+            </a:extLst>
+          </p:cNvPr>
+          <p:cNvSpPr txBox="1"/>
+          <p:nvPr/>
+        </p:nvSpPr>
+        <p:spPr>
+          <a:xfrm>
+            <a:off x="7812652" y="3244334"/>
+            <a:ext cx="2510443" cy="369332"/>
+          </a:xfrm>
+          <a:prstGeom prst="rect">
+            <a:avLst/>
+          </a:prstGeom>
+          <a:noFill/>
+        </p:spPr>
+        <p:txBody>
+          <a:bodyPr wrap="square" rtlCol="0">
+            <a:spAutoFit/>
+          </a:bodyPr>
+          <a:lstStyle/>
+          <a:p>
+            <a:r>
+              <a:rPr lang="ko-KR" altLang="en-US"/>
+              <a:t>아이디</a:t>
+            </a:r>
+            <a:r>
+              <a:rPr lang="en-US" altLang="ko-KR" dirty="0"/>
+              <a:t>, </a:t>
+            </a:r>
+            <a:r>
+              <a:rPr lang="ko-KR" altLang="en-US" dirty="0"/>
+              <a:t>비밀번호 입력</a:t>
+            </a:r>
+          </a:p>
+        </p:txBody>
+      </p:sp>
     </p:spTree>
     <p:extLst>
       <p:ext uri="{BB962C8B-B14F-4D97-AF65-F5344CB8AC3E}">
-        <p14:creationId xmlns:p14="http://schemas.microsoft.com/office/powerpoint/2010/main" val="87313276"/>
+        <p14:creationId xmlns:p14="http://schemas.microsoft.com/office/powerpoint/2010/main" val="3066305799"/>
       </p:ext>
     </p:extLst>
   </p:cSld>
@@ -5610,13 +5592,7 @@
       </p:sp>
       <p:pic>
         <p:nvPicPr>
-          <p:cNvPr id="4" name="그림 3">
-            <a:extLst>
-              <a:ext uri="{FF2B5EF4-FFF2-40B4-BE49-F238E27FC236}">
-                <a16:creationId xmlns:a16="http://schemas.microsoft.com/office/drawing/2014/main" id="{DD094B72-6F46-A006-EEAF-EE324B397FA5}"/>
-              </a:ext>
-            </a:extLst>
-          </p:cNvPr>
+          <p:cNvPr id="3" name="그림 2"/>
           <p:cNvPicPr>
             <a:picLocks noChangeAspect="1"/>
           </p:cNvPicPr>
@@ -5630,8 +5606,8 @@
         </p:blipFill>
         <p:spPr>
           <a:xfrm>
-            <a:off x="1193185" y="2563136"/>
-            <a:ext cx="4902815" cy="1731728"/>
+            <a:off x="2513831" y="1891013"/>
+            <a:ext cx="7421011" cy="2867425"/>
           </a:xfrm>
           <a:prstGeom prst="rect">
             <a:avLst/>
@@ -5640,20 +5616,14 @@
       </p:pic>
       <p:sp>
         <p:nvSpPr>
-          <p:cNvPr id="6" name="TextBox 5">
-            <a:extLst>
-              <a:ext uri="{FF2B5EF4-FFF2-40B4-BE49-F238E27FC236}">
-                <a16:creationId xmlns:a16="http://schemas.microsoft.com/office/drawing/2014/main" id="{31564344-46B0-0291-2098-834D7BEBB658}"/>
-              </a:ext>
-            </a:extLst>
-          </p:cNvPr>
+          <p:cNvPr id="4" name="TextBox 3"/>
           <p:cNvSpPr txBox="1"/>
           <p:nvPr/>
         </p:nvSpPr>
         <p:spPr>
           <a:xfrm>
-            <a:off x="7812652" y="3244334"/>
-            <a:ext cx="2510443" cy="369332"/>
+            <a:off x="3633536" y="5374106"/>
+            <a:ext cx="5181600" cy="369332"/>
           </a:xfrm>
           <a:prstGeom prst="rect">
             <a:avLst/>
@@ -5667,24 +5637,29 @@
           <a:lstStyle/>
           <a:p>
             <a:r>
-              <a:rPr lang="ko-KR" altLang="en-US"/>
-              <a:t>아이디</a:t>
-            </a:r>
-            <a:r>
-              <a:rPr lang="en-US" altLang="ko-KR" dirty="0"/>
-              <a:t>, </a:t>
-            </a:r>
-            <a:r>
-              <a:rPr lang="ko-KR" altLang="en-US" dirty="0"/>
-              <a:t>비밀번호 입력</a:t>
-            </a:r>
+              <a:rPr lang="ko-KR" altLang="en-US" dirty="0" smtClean="0"/>
+              <a:t>받은 </a:t>
+            </a:r>
+            <a:r>
+              <a:rPr lang="en-US" altLang="ko-KR" dirty="0" smtClean="0"/>
+              <a:t>Parameter</a:t>
+            </a:r>
+            <a:r>
+              <a:rPr lang="ko-KR" altLang="en-US" dirty="0" smtClean="0"/>
+              <a:t>의 한글이 깨지지 않게 설정해준다</a:t>
+            </a:r>
+            <a:r>
+              <a:rPr lang="en-US" altLang="ko-KR" dirty="0" smtClean="0"/>
+              <a:t>.</a:t>
+            </a:r>
+            <a:endParaRPr lang="ko-KR" altLang="en-US" dirty="0"/>
           </a:p>
         </p:txBody>
       </p:sp>
     </p:spTree>
     <p:extLst>
       <p:ext uri="{BB962C8B-B14F-4D97-AF65-F5344CB8AC3E}">
-        <p14:creationId xmlns:p14="http://schemas.microsoft.com/office/powerpoint/2010/main" val="3066305799"/>
+        <p14:creationId xmlns:p14="http://schemas.microsoft.com/office/powerpoint/2010/main" val="3255604648"/>
       </p:ext>
     </p:extLst>
   </p:cSld>
@@ -5781,7 +5756,7 @@
           <p:cNvPr id="5" name="그림 4">
             <a:extLst>
               <a:ext uri="{FF2B5EF4-FFF2-40B4-BE49-F238E27FC236}">
-                <a16:creationId xmlns:a16="http://schemas.microsoft.com/office/drawing/2014/main" id="{ACBE6266-D17C-0A4D-9EE1-8618AF78C074}"/>
+                <a16:creationId xmlns:a16="http://schemas.microsoft.com/office/drawing/2014/main" xmlns="" id="{A0DCABE4-F85E-F678-D5AB-BCEB9BCD6C0D}"/>
               </a:ext>
             </a:extLst>
           </p:cNvPr>
@@ -5798,18 +5773,61 @@
         </p:blipFill>
         <p:spPr>
           <a:xfrm>
-            <a:off x="1552341" y="2168460"/>
-            <a:ext cx="9087317" cy="2521080"/>
+            <a:off x="784617" y="2615063"/>
+            <a:ext cx="5311383" cy="1627874"/>
           </a:xfrm>
           <a:prstGeom prst="rect">
             <a:avLst/>
           </a:prstGeom>
         </p:spPr>
       </p:pic>
+      <p:sp>
+        <p:nvSpPr>
+          <p:cNvPr id="6" name="TextBox 5">
+            <a:extLst>
+              <a:ext uri="{FF2B5EF4-FFF2-40B4-BE49-F238E27FC236}">
+                <a16:creationId xmlns:a16="http://schemas.microsoft.com/office/drawing/2014/main" xmlns="" id="{4CD012A5-EDE5-6563-E25D-093D488DC0B8}"/>
+              </a:ext>
+            </a:extLst>
+          </p:cNvPr>
+          <p:cNvSpPr txBox="1"/>
+          <p:nvPr/>
+        </p:nvSpPr>
+        <p:spPr>
+          <a:xfrm>
+            <a:off x="7696274" y="3244334"/>
+            <a:ext cx="2510443" cy="369332"/>
+          </a:xfrm>
+          <a:prstGeom prst="rect">
+            <a:avLst/>
+          </a:prstGeom>
+          <a:noFill/>
+        </p:spPr>
+        <p:txBody>
+          <a:bodyPr wrap="square" rtlCol="0">
+            <a:spAutoFit/>
+          </a:bodyPr>
+          <a:lstStyle/>
+          <a:p>
+            <a:r>
+              <a:rPr lang="ko-KR" altLang="en-US" dirty="0"/>
+              <a:t>아이디</a:t>
+            </a:r>
+            <a:r>
+              <a:rPr lang="en-US" altLang="ko-KR" dirty="0"/>
+              <a:t>, </a:t>
+            </a:r>
+            <a:r>
+              <a:rPr lang="ko-KR" altLang="en-US" dirty="0"/>
+              <a:t>비밀번호 출력</a:t>
+            </a:r>
+          </a:p>
+        </p:txBody>
+      </p:sp>
     </p:spTree>
     <p:extLst>
       <p:ext uri="{BB962C8B-B14F-4D97-AF65-F5344CB8AC3E}">
-        <p14:creationId xmlns:p14="http://schemas.microsoft.com/office/powerpoint/2010/main" val="3255604648"/>
+        <p14:creationId xmlns:p14="http://schemas.microsoft.com/office/powerpoint/2010/main" val="3444394382"/>
       </p:ext>
     </p:extLst>
   </p:cSld>
@@ -5854,7 +5872,7 @@
         </p:spPr>
         <p:txBody>
           <a:bodyPr>
-            <a:normAutofit fontScale="90000"/>
+            <a:normAutofit/>
           </a:bodyPr>
           <a:lstStyle/>
           <a:p>
@@ -5864,7 +5882,7 @@
             </a:r>
             <a:r>
               <a:rPr lang="en-US" altLang="ko-KR" sz="1600"/>
-              <a:t>19 </a:t>
+              <a:t>20 </a:t>
             </a:r>
             <a:r>
               <a:rPr lang="ko-KR" altLang="en-US" sz="1600"/>
@@ -5872,41 +5890,18 @@
             </a:r>
             <a:r>
               <a:rPr lang="en-US" altLang="ko-KR" sz="1600"/>
-              <a:t>- </a:t>
-            </a:r>
-            <a:r>
-              <a:rPr lang="ko-KR" altLang="en-US" sz="1600"/>
-              <a:t>인자 </a:t>
-            </a:r>
-            <a:r>
-              <a:rPr lang="en-US" altLang="ko-KR" sz="1600"/>
-              <a:t>(parameter)</a:t>
-            </a:r>
-            <a:r>
-              <a:rPr lang="ko-KR" altLang="en-US" sz="1600"/>
-              <a:t>를</a:t>
-            </a:r>
-            <a:r>
-              <a:rPr lang="en-US" altLang="ko-KR" sz="1600"/>
-              <a:t> </a:t>
-            </a:r>
-            <a:r>
-              <a:rPr lang="ko-KR" altLang="en-US" sz="1600"/>
-              <a:t>받아 처리</a:t>
-            </a:r>
-            <a:br>
-              <a:rPr lang="ko-KR" altLang="en-US" sz="1600"/>
-            </a:br>
+              <a:t>– wifi(1)</a:t>
+            </a:r>
             <a:endParaRPr lang="ko-KR" altLang="en-US" sz="1600" dirty="0"/>
           </a:p>
         </p:txBody>
       </p:sp>
       <p:pic>
         <p:nvPicPr>
-          <p:cNvPr id="5" name="그림 4">
+          <p:cNvPr id="6" name="그림 5">
             <a:extLst>
               <a:ext uri="{FF2B5EF4-FFF2-40B4-BE49-F238E27FC236}">
-                <a16:creationId xmlns:a16="http://schemas.microsoft.com/office/drawing/2014/main" id="{A0DCABE4-F85E-F678-D5AB-BCEB9BCD6C0D}"/>
+                <a16:creationId xmlns:a16="http://schemas.microsoft.com/office/drawing/2014/main" xmlns="" id="{928D9130-1AB9-1F52-84A7-DFA9A678CF63}"/>
               </a:ext>
             </a:extLst>
           </p:cNvPr>
@@ -5923,61 +5918,18 @@
         </p:blipFill>
         <p:spPr>
           <a:xfrm>
-            <a:off x="784617" y="2615063"/>
-            <a:ext cx="5311383" cy="1627874"/>
+            <a:off x="796652" y="1752514"/>
+            <a:ext cx="10598695" cy="3352972"/>
           </a:xfrm>
           <a:prstGeom prst="rect">
             <a:avLst/>
           </a:prstGeom>
         </p:spPr>
       </p:pic>
-      <p:sp>
-        <p:nvSpPr>
-          <p:cNvPr id="6" name="TextBox 5">
-            <a:extLst>
-              <a:ext uri="{FF2B5EF4-FFF2-40B4-BE49-F238E27FC236}">
-                <a16:creationId xmlns:a16="http://schemas.microsoft.com/office/drawing/2014/main" id="{4CD012A5-EDE5-6563-E25D-093D488DC0B8}"/>
-              </a:ext>
-            </a:extLst>
-          </p:cNvPr>
-          <p:cNvSpPr txBox="1"/>
-          <p:nvPr/>
-        </p:nvSpPr>
-        <p:spPr>
-          <a:xfrm>
-            <a:off x="7696274" y="3244334"/>
-            <a:ext cx="2510443" cy="369332"/>
-          </a:xfrm>
-          <a:prstGeom prst="rect">
-            <a:avLst/>
-          </a:prstGeom>
-          <a:noFill/>
-        </p:spPr>
-        <p:txBody>
-          <a:bodyPr wrap="square" rtlCol="0">
-            <a:spAutoFit/>
-          </a:bodyPr>
-          <a:lstStyle/>
-          <a:p>
-            <a:r>
-              <a:rPr lang="ko-KR" altLang="en-US" dirty="0"/>
-              <a:t>아이디</a:t>
-            </a:r>
-            <a:r>
-              <a:rPr lang="en-US" altLang="ko-KR" dirty="0"/>
-              <a:t>, </a:t>
-            </a:r>
-            <a:r>
-              <a:rPr lang="ko-KR" altLang="en-US" dirty="0"/>
-              <a:t>비밀번호 출력</a:t>
-            </a:r>
-          </a:p>
-        </p:txBody>
-      </p:sp>
     </p:spTree>
     <p:extLst>
       <p:ext uri="{BB962C8B-B14F-4D97-AF65-F5344CB8AC3E}">
-        <p14:creationId xmlns:p14="http://schemas.microsoft.com/office/powerpoint/2010/main" val="3444394382"/>
+        <p14:creationId xmlns:p14="http://schemas.microsoft.com/office/powerpoint/2010/main" val="4039381614"/>
       </p:ext>
     </p:extLst>
   </p:cSld>
@@ -6027,20 +5979,28 @@
           <a:lstStyle/>
           <a:p>
             <a:r>
-              <a:rPr lang="ko-KR" altLang="en-US" sz="1600"/>
+              <a:rPr lang="ko-KR" altLang="en-US" sz="1600" dirty="0"/>
               <a:t>슬라이드 </a:t>
             </a:r>
             <a:r>
-              <a:rPr lang="en-US" altLang="ko-KR" sz="1600"/>
+              <a:rPr lang="en-US" altLang="ko-KR" sz="1600" dirty="0"/>
               <a:t>20 </a:t>
             </a:r>
             <a:r>
-              <a:rPr lang="ko-KR" altLang="en-US" sz="1600"/>
+              <a:rPr lang="ko-KR" altLang="en-US" sz="1600" dirty="0"/>
               <a:t>실습 </a:t>
             </a:r>
             <a:r>
-              <a:rPr lang="en-US" altLang="ko-KR" sz="1600"/>
-              <a:t>– wifi(1)</a:t>
+              <a:rPr lang="en-US" altLang="ko-KR" sz="1600" dirty="0"/>
+              <a:t>– </a:t>
+            </a:r>
+            <a:r>
+              <a:rPr lang="en-US" altLang="ko-KR" sz="1600" dirty="0" err="1"/>
+              <a:t>wifi</a:t>
+            </a:r>
+            <a:r>
+              <a:rPr lang="en-US" altLang="ko-KR" sz="1600" dirty="0"/>
+              <a:t>(1)</a:t>
             </a:r>
             <a:endParaRPr lang="ko-KR" altLang="en-US" sz="1600" dirty="0"/>
           </a:p>
@@ -6048,10 +6008,10 @@
       </p:sp>
       <p:pic>
         <p:nvPicPr>
-          <p:cNvPr id="6" name="그림 5">
+          <p:cNvPr id="7" name="그림 6">
             <a:extLst>
               <a:ext uri="{FF2B5EF4-FFF2-40B4-BE49-F238E27FC236}">
-                <a16:creationId xmlns:a16="http://schemas.microsoft.com/office/drawing/2014/main" id="{928D9130-1AB9-1F52-84A7-DFA9A678CF63}"/>
+                <a16:creationId xmlns:a16="http://schemas.microsoft.com/office/drawing/2014/main" xmlns="" id="{25F84456-E694-6C65-3143-3E0579587743}"/>
               </a:ext>
             </a:extLst>
           </p:cNvPr>
@@ -6068,18 +6028,61 @@
         </p:blipFill>
         <p:spPr>
           <a:xfrm>
-            <a:off x="796652" y="1752514"/>
-            <a:ext cx="10598695" cy="3352972"/>
+            <a:off x="2514926" y="1393001"/>
+            <a:ext cx="7162147" cy="4071997"/>
           </a:xfrm>
           <a:prstGeom prst="rect">
             <a:avLst/>
           </a:prstGeom>
         </p:spPr>
       </p:pic>
+      <p:sp>
+        <p:nvSpPr>
+          <p:cNvPr id="8" name="TextBox 7">
+            <a:extLst>
+              <a:ext uri="{FF2B5EF4-FFF2-40B4-BE49-F238E27FC236}">
+                <a16:creationId xmlns:a16="http://schemas.microsoft.com/office/drawing/2014/main" xmlns="" id="{77CA559B-1E71-A521-267E-8E7ED7E488E9}"/>
+              </a:ext>
+            </a:extLst>
+          </p:cNvPr>
+          <p:cNvSpPr txBox="1"/>
+          <p:nvPr/>
+        </p:nvSpPr>
+        <p:spPr>
+          <a:xfrm>
+            <a:off x="5106785" y="5918662"/>
+            <a:ext cx="1978429" cy="369332"/>
+          </a:xfrm>
+          <a:prstGeom prst="rect">
+            <a:avLst/>
+          </a:prstGeom>
+          <a:noFill/>
+        </p:spPr>
+        <p:txBody>
+          <a:bodyPr wrap="square" rtlCol="0">
+            <a:spAutoFit/>
+          </a:bodyPr>
+          <a:lstStyle/>
+          <a:p>
+            <a:r>
+              <a:rPr lang="en-US" altLang="ko-KR" dirty="0" err="1"/>
+              <a:t>Wifi</a:t>
+            </a:r>
+            <a:r>
+              <a:rPr lang="en-US" altLang="ko-KR" dirty="0"/>
+              <a:t> (1) </a:t>
+            </a:r>
+            <a:r>
+              <a:rPr lang="ko-KR" altLang="en-US" dirty="0"/>
+              <a:t>코드 작성</a:t>
+            </a:r>
+          </a:p>
+        </p:txBody>
+      </p:sp>
     </p:spTree>
     <p:extLst>
       <p:ext uri="{BB962C8B-B14F-4D97-AF65-F5344CB8AC3E}">
-        <p14:creationId xmlns:p14="http://schemas.microsoft.com/office/powerpoint/2010/main" val="4039381614"/>
+        <p14:creationId xmlns:p14="http://schemas.microsoft.com/office/powerpoint/2010/main" val="213733460"/>
       </p:ext>
     </p:extLst>
   </p:cSld>
@@ -6158,10 +6161,10 @@
       </p:sp>
       <p:pic>
         <p:nvPicPr>
-          <p:cNvPr id="7" name="그림 6">
+          <p:cNvPr id="4" name="그림 3">
             <a:extLst>
               <a:ext uri="{FF2B5EF4-FFF2-40B4-BE49-F238E27FC236}">
-                <a16:creationId xmlns:a16="http://schemas.microsoft.com/office/drawing/2014/main" id="{25F84456-E694-6C65-3143-3E0579587743}"/>
+                <a16:creationId xmlns:a16="http://schemas.microsoft.com/office/drawing/2014/main" xmlns="" id="{10AF6DD6-C222-6DD0-9807-C94658A236D2}"/>
               </a:ext>
             </a:extLst>
           </p:cNvPr>
@@ -6178,20 +6181,50 @@
         </p:blipFill>
         <p:spPr>
           <a:xfrm>
-            <a:off x="2514926" y="1393001"/>
-            <a:ext cx="7162147" cy="4071997"/>
+            <a:off x="721895" y="1162714"/>
+            <a:ext cx="5687754" cy="3398029"/>
           </a:xfrm>
           <a:prstGeom prst="rect">
             <a:avLst/>
           </a:prstGeom>
         </p:spPr>
       </p:pic>
-      <p:sp>
-        <p:nvSpPr>
-          <p:cNvPr id="8" name="TextBox 7">
+      <p:pic>
+        <p:nvPicPr>
+          <p:cNvPr id="6" name="그림 5">
             <a:extLst>
               <a:ext uri="{FF2B5EF4-FFF2-40B4-BE49-F238E27FC236}">
-                <a16:creationId xmlns:a16="http://schemas.microsoft.com/office/drawing/2014/main" id="{77CA559B-1E71-A521-267E-8E7ED7E488E9}"/>
+                <a16:creationId xmlns:a16="http://schemas.microsoft.com/office/drawing/2014/main" xmlns="" id="{79CCACBD-A497-0E0E-2BC1-4D4D40E8DEE8}"/>
+              </a:ext>
+            </a:extLst>
+          </p:cNvPr>
+          <p:cNvPicPr>
+            <a:picLocks noChangeAspect="1"/>
+          </p:cNvPicPr>
+          <p:nvPr/>
+        </p:nvPicPr>
+        <p:blipFill>
+          <a:blip r:embed="rId3"/>
+          <a:stretch>
+            <a:fillRect/>
+          </a:stretch>
+        </p:blipFill>
+        <p:spPr>
+          <a:xfrm>
+            <a:off x="6982691" y="1578734"/>
+            <a:ext cx="5209309" cy="2565989"/>
+          </a:xfrm>
+          <a:prstGeom prst="rect">
+            <a:avLst/>
+          </a:prstGeom>
+        </p:spPr>
+      </p:pic>
+      <p:sp>
+        <p:nvSpPr>
+          <p:cNvPr id="7" name="TextBox 6">
+            <a:extLst>
+              <a:ext uri="{FF2B5EF4-FFF2-40B4-BE49-F238E27FC236}">
+                <a16:creationId xmlns:a16="http://schemas.microsoft.com/office/drawing/2014/main" xmlns="" id="{10544700-C8F1-09FB-3F64-3D00651C88D9}"/>
               </a:ext>
             </a:extLst>
           </p:cNvPr>
@@ -6200,8 +6233,8 @@
         </p:nvSpPr>
         <p:spPr>
           <a:xfrm>
-            <a:off x="5106785" y="5918662"/>
-            <a:ext cx="1978429" cy="369332"/>
+            <a:off x="4979860" y="5270269"/>
+            <a:ext cx="2859578" cy="369332"/>
           </a:xfrm>
           <a:prstGeom prst="rect">
             <a:avLst/>
@@ -6215,16 +6248,8 @@
           <a:lstStyle/>
           <a:p>
             <a:r>
-              <a:rPr lang="en-US" altLang="ko-KR" dirty="0" err="1"/>
-              <a:t>Wifi</a:t>
-            </a:r>
-            <a:r>
-              <a:rPr lang="en-US" altLang="ko-KR" dirty="0"/>
-              <a:t> (1) </a:t>
-            </a:r>
-            <a:r>
               <a:rPr lang="ko-KR" altLang="en-US" dirty="0"/>
-              <a:t>코드 작성</a:t>
+              <a:t>와이파이 데이터 출력결과</a:t>
             </a:r>
           </a:p>
         </p:txBody>
@@ -6232,7 +6257,7 @@
     </p:spTree>
     <p:extLst>
       <p:ext uri="{BB962C8B-B14F-4D97-AF65-F5344CB8AC3E}">
-        <p14:creationId xmlns:p14="http://schemas.microsoft.com/office/powerpoint/2010/main" val="213733460"/>
+        <p14:creationId xmlns:p14="http://schemas.microsoft.com/office/powerpoint/2010/main" val="1927225801"/>
       </p:ext>
     </p:extLst>
   </p:cSld>
@@ -6287,7 +6312,7 @@
             </a:r>
             <a:r>
               <a:rPr lang="en-US" altLang="ko-KR" sz="1600" dirty="0"/>
-              <a:t>20 </a:t>
+              <a:t>21 </a:t>
             </a:r>
             <a:r>
               <a:rPr lang="ko-KR" altLang="en-US" sz="1600" dirty="0"/>
@@ -6303,7 +6328,7 @@
             </a:r>
             <a:r>
               <a:rPr lang="en-US" altLang="ko-KR" sz="1600" dirty="0"/>
-              <a:t>(1)</a:t>
+              <a:t>(2)</a:t>
             </a:r>
             <a:endParaRPr lang="ko-KR" altLang="en-US" sz="1600" dirty="0"/>
           </a:p>
@@ -6314,7 +6339,7 @@
           <p:cNvPr id="4" name="그림 3">
             <a:extLst>
               <a:ext uri="{FF2B5EF4-FFF2-40B4-BE49-F238E27FC236}">
-                <a16:creationId xmlns:a16="http://schemas.microsoft.com/office/drawing/2014/main" id="{10AF6DD6-C222-6DD0-9807-C94658A236D2}"/>
+                <a16:creationId xmlns:a16="http://schemas.microsoft.com/office/drawing/2014/main" xmlns="" id="{FDB0C300-3A11-48D3-FB73-0489330F38AB}"/>
               </a:ext>
             </a:extLst>
           </p:cNvPr>
@@ -6331,83 +6356,18 @@
         </p:blipFill>
         <p:spPr>
           <a:xfrm>
-            <a:off x="721895" y="1162714"/>
-            <a:ext cx="5687754" cy="3398029"/>
+            <a:off x="796652" y="1034927"/>
+            <a:ext cx="10598695" cy="4788146"/>
           </a:xfrm>
           <a:prstGeom prst="rect">
             <a:avLst/>
           </a:prstGeom>
         </p:spPr>
       </p:pic>
-      <p:pic>
-        <p:nvPicPr>
-          <p:cNvPr id="6" name="그림 5">
-            <a:extLst>
-              <a:ext uri="{FF2B5EF4-FFF2-40B4-BE49-F238E27FC236}">
-                <a16:creationId xmlns:a16="http://schemas.microsoft.com/office/drawing/2014/main" id="{79CCACBD-A497-0E0E-2BC1-4D4D40E8DEE8}"/>
-              </a:ext>
-            </a:extLst>
-          </p:cNvPr>
-          <p:cNvPicPr>
-            <a:picLocks noChangeAspect="1"/>
-          </p:cNvPicPr>
-          <p:nvPr/>
-        </p:nvPicPr>
-        <p:blipFill>
-          <a:blip r:embed="rId3"/>
-          <a:stretch>
-            <a:fillRect/>
-          </a:stretch>
-        </p:blipFill>
-        <p:spPr>
-          <a:xfrm>
-            <a:off x="6982691" y="1578734"/>
-            <a:ext cx="5209309" cy="2565989"/>
-          </a:xfrm>
-          <a:prstGeom prst="rect">
-            <a:avLst/>
-          </a:prstGeom>
-        </p:spPr>
-      </p:pic>
-      <p:sp>
-        <p:nvSpPr>
-          <p:cNvPr id="7" name="TextBox 6">
-            <a:extLst>
-              <a:ext uri="{FF2B5EF4-FFF2-40B4-BE49-F238E27FC236}">
-                <a16:creationId xmlns:a16="http://schemas.microsoft.com/office/drawing/2014/main" id="{10544700-C8F1-09FB-3F64-3D00651C88D9}"/>
-              </a:ext>
-            </a:extLst>
-          </p:cNvPr>
-          <p:cNvSpPr txBox="1"/>
-          <p:nvPr/>
-        </p:nvSpPr>
-        <p:spPr>
-          <a:xfrm>
-            <a:off x="4979860" y="5270269"/>
-            <a:ext cx="2859578" cy="369332"/>
-          </a:xfrm>
-          <a:prstGeom prst="rect">
-            <a:avLst/>
-          </a:prstGeom>
-          <a:noFill/>
-        </p:spPr>
-        <p:txBody>
-          <a:bodyPr wrap="square" rtlCol="0">
-            <a:spAutoFit/>
-          </a:bodyPr>
-          <a:lstStyle/>
-          <a:p>
-            <a:r>
-              <a:rPr lang="ko-KR" altLang="en-US" dirty="0"/>
-              <a:t>와이파이 데이터 출력결과</a:t>
-            </a:r>
-          </a:p>
-        </p:txBody>
-      </p:sp>
     </p:spTree>
     <p:extLst>
       <p:ext uri="{BB962C8B-B14F-4D97-AF65-F5344CB8AC3E}">
-        <p14:creationId xmlns:p14="http://schemas.microsoft.com/office/powerpoint/2010/main" val="1927225801"/>
+        <p14:creationId xmlns:p14="http://schemas.microsoft.com/office/powerpoint/2010/main" val="2171686665"/>
       </p:ext>
     </p:extLst>
   </p:cSld>
@@ -6489,7 +6449,7 @@
           <p:cNvPr id="4" name="그림 3">
             <a:extLst>
               <a:ext uri="{FF2B5EF4-FFF2-40B4-BE49-F238E27FC236}">
-                <a16:creationId xmlns:a16="http://schemas.microsoft.com/office/drawing/2014/main" id="{FDB0C300-3A11-48D3-FB73-0489330F38AB}"/>
+                <a16:creationId xmlns:a16="http://schemas.microsoft.com/office/drawing/2014/main" xmlns="" id="{A54F791D-7579-3F13-D97B-8B630DC6F8CA}"/>
               </a:ext>
             </a:extLst>
           </p:cNvPr>
@@ -6506,18 +6466,91 @@
         </p:blipFill>
         <p:spPr>
           <a:xfrm>
-            <a:off x="796652" y="1034927"/>
-            <a:ext cx="10598695" cy="4788146"/>
+            <a:off x="2987515" y="453189"/>
+            <a:ext cx="6216970" cy="4819898"/>
           </a:xfrm>
           <a:prstGeom prst="rect">
             <a:avLst/>
           </a:prstGeom>
         </p:spPr>
       </p:pic>
+      <p:pic>
+        <p:nvPicPr>
+          <p:cNvPr id="6" name="그림 5">
+            <a:extLst>
+              <a:ext uri="{FF2B5EF4-FFF2-40B4-BE49-F238E27FC236}">
+                <a16:creationId xmlns:a16="http://schemas.microsoft.com/office/drawing/2014/main" xmlns="" id="{C1AA22DE-D27A-A162-ED99-927A15014637}"/>
+              </a:ext>
+            </a:extLst>
+          </p:cNvPr>
+          <p:cNvPicPr>
+            <a:picLocks noChangeAspect="1"/>
+          </p:cNvPicPr>
+          <p:nvPr/>
+        </p:nvPicPr>
+        <p:blipFill>
+          <a:blip r:embed="rId3"/>
+          <a:stretch>
+            <a:fillRect/>
+          </a:stretch>
+        </p:blipFill>
+        <p:spPr>
+          <a:xfrm>
+            <a:off x="3749287" y="5524541"/>
+            <a:ext cx="4693426" cy="1175517"/>
+          </a:xfrm>
+          <a:prstGeom prst="rect">
+            <a:avLst/>
+          </a:prstGeom>
+        </p:spPr>
+      </p:pic>
+      <p:sp>
+        <p:nvSpPr>
+          <p:cNvPr id="7" name="TextBox 6">
+            <a:extLst>
+              <a:ext uri="{FF2B5EF4-FFF2-40B4-BE49-F238E27FC236}">
+                <a16:creationId xmlns:a16="http://schemas.microsoft.com/office/drawing/2014/main" xmlns="" id="{32CEDCE6-A113-5092-8231-62F832165F91}"/>
+              </a:ext>
+            </a:extLst>
+          </p:cNvPr>
+          <p:cNvSpPr txBox="1"/>
+          <p:nvPr/>
+        </p:nvSpPr>
+        <p:spPr>
+          <a:xfrm>
+            <a:off x="9358818" y="5927633"/>
+            <a:ext cx="1928553" cy="369332"/>
+          </a:xfrm>
+          <a:prstGeom prst="rect">
+            <a:avLst/>
+          </a:prstGeom>
+          <a:noFill/>
+        </p:spPr>
+        <p:txBody>
+          <a:bodyPr wrap="square" rtlCol="0">
+            <a:spAutoFit/>
+          </a:bodyPr>
+          <a:lstStyle/>
+          <a:p>
+            <a:r>
+              <a:rPr lang="en-US" altLang="ko-KR" dirty="0" err="1"/>
+              <a:t>Wifi</a:t>
+            </a:r>
+            <a:r>
+              <a:rPr lang="en-US" altLang="ko-KR" dirty="0"/>
+              <a:t>(2) </a:t>
+            </a:r>
+            <a:r>
+              <a:rPr lang="ko-KR" altLang="en-US" dirty="0"/>
+              <a:t>코드 작성</a:t>
+            </a:r>
+          </a:p>
+        </p:txBody>
+      </p:sp>
     </p:spTree>
     <p:extLst>
       <p:ext uri="{BB962C8B-B14F-4D97-AF65-F5344CB8AC3E}">
-        <p14:creationId xmlns:p14="http://schemas.microsoft.com/office/powerpoint/2010/main" val="2171686665"/>
+        <p14:creationId xmlns:p14="http://schemas.microsoft.com/office/powerpoint/2010/main" val="2412836434"/>
       </p:ext>
     </p:extLst>
   </p:cSld>
@@ -6586,6 +6619,10 @@
               <a:rPr lang="ko-KR" altLang="en-US" sz="1600" dirty="0"/>
               <a:t>기본함수 몇 가지 </a:t>
             </a:r>
+            <a:r>
+              <a:rPr lang="en-US" altLang="ko-KR" sz="1600" dirty="0"/>
+              <a:t/>
+            </a:r>
             <a:br>
               <a:rPr lang="en-US" altLang="ko-KR" sz="1600" dirty="0"/>
             </a:br>
@@ -6598,7 +6635,7 @@
           <p:cNvPr id="5" name="그림 4">
             <a:extLst>
               <a:ext uri="{FF2B5EF4-FFF2-40B4-BE49-F238E27FC236}">
-                <a16:creationId xmlns:a16="http://schemas.microsoft.com/office/drawing/2014/main" id="{A779FE67-DEED-B9FC-CD60-4C1CDFA60705}"/>
+                <a16:creationId xmlns:a16="http://schemas.microsoft.com/office/drawing/2014/main" xmlns="" id="{A779FE67-DEED-B9FC-CD60-4C1CDFA60705}"/>
               </a:ext>
             </a:extLst>
           </p:cNvPr>
@@ -6628,7 +6665,7 @@
           <p:cNvPr id="9" name="그림 8">
             <a:extLst>
               <a:ext uri="{FF2B5EF4-FFF2-40B4-BE49-F238E27FC236}">
-                <a16:creationId xmlns:a16="http://schemas.microsoft.com/office/drawing/2014/main" id="{03E7B9D2-DFA3-E7E1-F44F-BC14B9B72E9B}"/>
+                <a16:creationId xmlns:a16="http://schemas.microsoft.com/office/drawing/2014/main" xmlns="" id="{03E7B9D2-DFA3-E7E1-F44F-BC14B9B72E9B}"/>
               </a:ext>
             </a:extLst>
           </p:cNvPr>
@@ -6658,7 +6695,7 @@
           <p:cNvPr id="11" name="그림 10">
             <a:extLst>
               <a:ext uri="{FF2B5EF4-FFF2-40B4-BE49-F238E27FC236}">
-                <a16:creationId xmlns:a16="http://schemas.microsoft.com/office/drawing/2014/main" id="{3CA61245-7E15-196D-4973-4A6CFFA25ACE}"/>
+                <a16:creationId xmlns:a16="http://schemas.microsoft.com/office/drawing/2014/main" xmlns="" id="{3CA61245-7E15-196D-4973-4A6CFFA25ACE}"/>
               </a:ext>
             </a:extLst>
           </p:cNvPr>
@@ -6688,7 +6725,7 @@
           <p:cNvPr id="12" name="TextBox 11">
             <a:extLst>
               <a:ext uri="{FF2B5EF4-FFF2-40B4-BE49-F238E27FC236}">
-                <a16:creationId xmlns:a16="http://schemas.microsoft.com/office/drawing/2014/main" id="{B9F5856E-A551-F6C1-1EF9-E63E699EC8DE}"/>
+                <a16:creationId xmlns:a16="http://schemas.microsoft.com/office/drawing/2014/main" xmlns="" id="{B9F5856E-A551-F6C1-1EF9-E63E699EC8DE}"/>
               </a:ext>
             </a:extLst>
           </p:cNvPr>
@@ -6824,7 +6861,7 @@
           <p:cNvPr id="4" name="그림 3">
             <a:extLst>
               <a:ext uri="{FF2B5EF4-FFF2-40B4-BE49-F238E27FC236}">
-                <a16:creationId xmlns:a16="http://schemas.microsoft.com/office/drawing/2014/main" id="{A54F791D-7579-3F13-D97B-8B630DC6F8CA}"/>
+                <a16:creationId xmlns:a16="http://schemas.microsoft.com/office/drawing/2014/main" xmlns="" id="{F837D4B9-4340-E459-38DB-626791C99B19}"/>
               </a:ext>
             </a:extLst>
           </p:cNvPr>
@@ -6841,50 +6878,20 @@
         </p:blipFill>
         <p:spPr>
           <a:xfrm>
-            <a:off x="2987515" y="453189"/>
-            <a:ext cx="6216970" cy="4819898"/>
+            <a:off x="1653193" y="453189"/>
+            <a:ext cx="5495754" cy="6289207"/>
           </a:xfrm>
           <a:prstGeom prst="rect">
             <a:avLst/>
           </a:prstGeom>
         </p:spPr>
       </p:pic>
-      <p:pic>
-        <p:nvPicPr>
-          <p:cNvPr id="6" name="그림 5">
+      <p:sp>
+        <p:nvSpPr>
+          <p:cNvPr id="5" name="TextBox 4">
             <a:extLst>
               <a:ext uri="{FF2B5EF4-FFF2-40B4-BE49-F238E27FC236}">
-                <a16:creationId xmlns:a16="http://schemas.microsoft.com/office/drawing/2014/main" id="{C1AA22DE-D27A-A162-ED99-927A15014637}"/>
-              </a:ext>
-            </a:extLst>
-          </p:cNvPr>
-          <p:cNvPicPr>
-            <a:picLocks noChangeAspect="1"/>
-          </p:cNvPicPr>
-          <p:nvPr/>
-        </p:nvPicPr>
-        <p:blipFill>
-          <a:blip r:embed="rId3"/>
-          <a:stretch>
-            <a:fillRect/>
-          </a:stretch>
-        </p:blipFill>
-        <p:spPr>
-          <a:xfrm>
-            <a:off x="3749287" y="5524541"/>
-            <a:ext cx="4693426" cy="1175517"/>
-          </a:xfrm>
-          <a:prstGeom prst="rect">
-            <a:avLst/>
-          </a:prstGeom>
-        </p:spPr>
-      </p:pic>
-      <p:sp>
-        <p:nvSpPr>
-          <p:cNvPr id="7" name="TextBox 6">
-            <a:extLst>
-              <a:ext uri="{FF2B5EF4-FFF2-40B4-BE49-F238E27FC236}">
-                <a16:creationId xmlns:a16="http://schemas.microsoft.com/office/drawing/2014/main" id="{32CEDCE6-A113-5092-8231-62F832165F91}"/>
+                <a16:creationId xmlns:a16="http://schemas.microsoft.com/office/drawing/2014/main" xmlns="" id="{5637B8D0-C5D9-3C1B-D0D2-22CDA48CA9CC}"/>
               </a:ext>
             </a:extLst>
           </p:cNvPr>
@@ -6893,8 +6900,8 @@
         </p:nvSpPr>
         <p:spPr>
           <a:xfrm>
-            <a:off x="9358818" y="5927633"/>
-            <a:ext cx="1928553" cy="369332"/>
+            <a:off x="8080245" y="3413126"/>
+            <a:ext cx="2859578" cy="369332"/>
           </a:xfrm>
           <a:prstGeom prst="rect">
             <a:avLst/>
@@ -6908,16 +6915,8 @@
           <a:lstStyle/>
           <a:p>
             <a:r>
-              <a:rPr lang="en-US" altLang="ko-KR" dirty="0" err="1"/>
-              <a:t>Wifi</a:t>
-            </a:r>
-            <a:r>
-              <a:rPr lang="en-US" altLang="ko-KR" dirty="0"/>
-              <a:t>(2) </a:t>
-            </a:r>
-            <a:r>
               <a:rPr lang="ko-KR" altLang="en-US" dirty="0"/>
-              <a:t>코드 작성</a:t>
+              <a:t>와이파이 데이터 출력결과</a:t>
             </a:r>
           </a:p>
         </p:txBody>
@@ -6925,7 +6924,7 @@
     </p:spTree>
     <p:extLst>
       <p:ext uri="{BB962C8B-B14F-4D97-AF65-F5344CB8AC3E}">
-        <p14:creationId xmlns:p14="http://schemas.microsoft.com/office/powerpoint/2010/main" val="2412836434"/>
+        <p14:creationId xmlns:p14="http://schemas.microsoft.com/office/powerpoint/2010/main" val="3203910193"/>
       </p:ext>
     </p:extLst>
   </p:cSld>
@@ -6980,7 +6979,7 @@
             </a:r>
             <a:r>
               <a:rPr lang="en-US" altLang="ko-KR" sz="1600" dirty="0"/>
-              <a:t>21 </a:t>
+              <a:t>22 </a:t>
             </a:r>
             <a:r>
               <a:rPr lang="ko-KR" altLang="en-US" sz="1600" dirty="0"/>
@@ -6996,7 +6995,7 @@
             </a:r>
             <a:r>
               <a:rPr lang="en-US" altLang="ko-KR" sz="1600" dirty="0"/>
-              <a:t>(2)</a:t>
+              <a:t>(3)</a:t>
             </a:r>
             <a:endParaRPr lang="ko-KR" altLang="en-US" sz="1600" dirty="0"/>
           </a:p>
@@ -7004,13 +7003,7 @@
       </p:sp>
       <p:pic>
         <p:nvPicPr>
-          <p:cNvPr id="4" name="그림 3">
-            <a:extLst>
-              <a:ext uri="{FF2B5EF4-FFF2-40B4-BE49-F238E27FC236}">
-                <a16:creationId xmlns:a16="http://schemas.microsoft.com/office/drawing/2014/main" id="{F837D4B9-4340-E459-38DB-626791C99B19}"/>
-              </a:ext>
-            </a:extLst>
-          </p:cNvPr>
+          <p:cNvPr id="3" name="그림 2"/>
           <p:cNvPicPr>
             <a:picLocks noChangeAspect="1"/>
           </p:cNvPicPr>
@@ -7024,53 +7017,18 @@
         </p:blipFill>
         <p:spPr>
           <a:xfrm>
-            <a:off x="1653193" y="453189"/>
-            <a:ext cx="5495754" cy="6289207"/>
+            <a:off x="2847474" y="613154"/>
+            <a:ext cx="6681010" cy="5579098"/>
           </a:xfrm>
           <a:prstGeom prst="rect">
             <a:avLst/>
           </a:prstGeom>
         </p:spPr>
       </p:pic>
-      <p:sp>
-        <p:nvSpPr>
-          <p:cNvPr id="5" name="TextBox 4">
-            <a:extLst>
-              <a:ext uri="{FF2B5EF4-FFF2-40B4-BE49-F238E27FC236}">
-                <a16:creationId xmlns:a16="http://schemas.microsoft.com/office/drawing/2014/main" id="{5637B8D0-C5D9-3C1B-D0D2-22CDA48CA9CC}"/>
-              </a:ext>
-            </a:extLst>
-          </p:cNvPr>
-          <p:cNvSpPr txBox="1"/>
-          <p:nvPr/>
-        </p:nvSpPr>
-        <p:spPr>
-          <a:xfrm>
-            <a:off x="8080245" y="3413126"/>
-            <a:ext cx="2859578" cy="369332"/>
-          </a:xfrm>
-          <a:prstGeom prst="rect">
-            <a:avLst/>
-          </a:prstGeom>
-          <a:noFill/>
-        </p:spPr>
-        <p:txBody>
-          <a:bodyPr wrap="square" rtlCol="0">
-            <a:spAutoFit/>
-          </a:bodyPr>
-          <a:lstStyle/>
-          <a:p>
-            <a:r>
-              <a:rPr lang="ko-KR" altLang="en-US" dirty="0"/>
-              <a:t>와이파이 데이터 출력결과</a:t>
-            </a:r>
-          </a:p>
-        </p:txBody>
-      </p:sp>
     </p:spTree>
     <p:extLst>
       <p:ext uri="{BB962C8B-B14F-4D97-AF65-F5344CB8AC3E}">
-        <p14:creationId xmlns:p14="http://schemas.microsoft.com/office/powerpoint/2010/main" val="3203910193"/>
+        <p14:creationId xmlns:p14="http://schemas.microsoft.com/office/powerpoint/2010/main" val="3380900841"/>
       </p:ext>
     </p:extLst>
   </p:cSld>
@@ -7149,13 +7107,7 @@
       </p:sp>
       <p:pic>
         <p:nvPicPr>
-          <p:cNvPr id="4" name="그림 3">
-            <a:extLst>
-              <a:ext uri="{FF2B5EF4-FFF2-40B4-BE49-F238E27FC236}">
-                <a16:creationId xmlns:a16="http://schemas.microsoft.com/office/drawing/2014/main" id="{4B084C29-8803-5B9F-932F-65B11D779B5A}"/>
-              </a:ext>
-            </a:extLst>
-          </p:cNvPr>
+          <p:cNvPr id="3" name="그림 2"/>
           <p:cNvPicPr>
             <a:picLocks noChangeAspect="1"/>
           </p:cNvPicPr>
@@ -7169,8 +7121,8 @@
         </p:blipFill>
         <p:spPr>
           <a:xfrm>
-            <a:off x="758550" y="1092080"/>
-            <a:ext cx="10674899" cy="4673840"/>
+            <a:off x="3416968" y="778724"/>
+            <a:ext cx="5618116" cy="5606034"/>
           </a:xfrm>
           <a:prstGeom prst="rect">
             <a:avLst/>
@@ -7180,7 +7132,7 @@
     </p:spTree>
     <p:extLst>
       <p:ext uri="{BB962C8B-B14F-4D97-AF65-F5344CB8AC3E}">
-        <p14:creationId xmlns:p14="http://schemas.microsoft.com/office/powerpoint/2010/main" val="3380900841"/>
+        <p14:creationId xmlns:p14="http://schemas.microsoft.com/office/powerpoint/2010/main" val="3991345528"/>
       </p:ext>
     </p:extLst>
   </p:cSld>
@@ -7259,13 +7211,7 @@
       </p:sp>
       <p:pic>
         <p:nvPicPr>
-          <p:cNvPr id="4" name="그림 3">
-            <a:extLst>
-              <a:ext uri="{FF2B5EF4-FFF2-40B4-BE49-F238E27FC236}">
-                <a16:creationId xmlns:a16="http://schemas.microsoft.com/office/drawing/2014/main" id="{11D41AD5-886F-D7F9-1867-D7BC4563E27F}"/>
-              </a:ext>
-            </a:extLst>
-          </p:cNvPr>
+          <p:cNvPr id="3" name="그림 2"/>
           <p:cNvPicPr>
             <a:picLocks noChangeAspect="1"/>
           </p:cNvPicPr>
@@ -7279,8 +7225,8 @@
         </p:blipFill>
         <p:spPr>
           <a:xfrm>
-            <a:off x="3133573" y="1146057"/>
-            <a:ext cx="5924854" cy="4565885"/>
+            <a:off x="2911642" y="580471"/>
+            <a:ext cx="6172593" cy="5643865"/>
           </a:xfrm>
           <a:prstGeom prst="rect">
             <a:avLst/>
@@ -7290,7 +7236,7 @@
     </p:spTree>
     <p:extLst>
       <p:ext uri="{BB962C8B-B14F-4D97-AF65-F5344CB8AC3E}">
-        <p14:creationId xmlns:p14="http://schemas.microsoft.com/office/powerpoint/2010/main" val="3991345528"/>
+        <p14:creationId xmlns:p14="http://schemas.microsoft.com/office/powerpoint/2010/main" val="3385656688"/>
       </p:ext>
     </p:extLst>
   </p:cSld>
@@ -7367,15 +7313,52 @@
           </a:p>
         </p:txBody>
       </p:sp>
-      <p:pic>
-        <p:nvPicPr>
-          <p:cNvPr id="4" name="그림 3">
+      <p:sp>
+        <p:nvSpPr>
+          <p:cNvPr id="5" name="TextBox 4">
             <a:extLst>
               <a:ext uri="{FF2B5EF4-FFF2-40B4-BE49-F238E27FC236}">
-                <a16:creationId xmlns:a16="http://schemas.microsoft.com/office/drawing/2014/main" id="{374ACCFB-2B57-7E1A-2BF2-18DE081FCD42}"/>
+                <a16:creationId xmlns:a16="http://schemas.microsoft.com/office/drawing/2014/main" xmlns="" id="{37BF0C49-9D81-CE62-EB02-7C333F5BA93B}"/>
               </a:ext>
             </a:extLst>
           </p:cNvPr>
+          <p:cNvSpPr txBox="1"/>
+          <p:nvPr/>
+        </p:nvSpPr>
+        <p:spPr>
+          <a:xfrm>
+            <a:off x="5131721" y="5025007"/>
+            <a:ext cx="1928553" cy="369332"/>
+          </a:xfrm>
+          <a:prstGeom prst="rect">
+            <a:avLst/>
+          </a:prstGeom>
+          <a:noFill/>
+        </p:spPr>
+        <p:txBody>
+          <a:bodyPr wrap="square" rtlCol="0">
+            <a:spAutoFit/>
+          </a:bodyPr>
+          <a:lstStyle/>
+          <a:p>
+            <a:r>
+              <a:rPr lang="en-US" altLang="ko-KR" dirty="0" err="1"/>
+              <a:t>Wifi</a:t>
+            </a:r>
+            <a:r>
+              <a:rPr lang="en-US" altLang="ko-KR" dirty="0"/>
+              <a:t>(3) </a:t>
+            </a:r>
+            <a:r>
+              <a:rPr lang="ko-KR" altLang="en-US" dirty="0"/>
+              <a:t>코드 작성</a:t>
+            </a:r>
+          </a:p>
+        </p:txBody>
+      </p:sp>
+      <p:pic>
+        <p:nvPicPr>
+          <p:cNvPr id="3" name="그림 2"/>
           <p:cNvPicPr>
             <a:picLocks noChangeAspect="1"/>
           </p:cNvPicPr>
@@ -7389,8 +7372,8 @@
         </p:blipFill>
         <p:spPr>
           <a:xfrm>
-            <a:off x="2685874" y="1165108"/>
-            <a:ext cx="6820251" cy="4527783"/>
+            <a:off x="2075887" y="2060138"/>
+            <a:ext cx="8040222" cy="2553056"/>
           </a:xfrm>
           <a:prstGeom prst="rect">
             <a:avLst/>
@@ -7400,7 +7383,7 @@
     </p:spTree>
     <p:extLst>
       <p:ext uri="{BB962C8B-B14F-4D97-AF65-F5344CB8AC3E}">
-        <p14:creationId xmlns:p14="http://schemas.microsoft.com/office/powerpoint/2010/main" val="3385656688"/>
+        <p14:creationId xmlns:p14="http://schemas.microsoft.com/office/powerpoint/2010/main" val="1928812174"/>
       </p:ext>
     </p:extLst>
   </p:cSld>
@@ -7479,10 +7462,10 @@
       </p:sp>
       <p:pic>
         <p:nvPicPr>
-          <p:cNvPr id="4" name="그림 3">
+          <p:cNvPr id="5" name="그림 4">
             <a:extLst>
               <a:ext uri="{FF2B5EF4-FFF2-40B4-BE49-F238E27FC236}">
-                <a16:creationId xmlns:a16="http://schemas.microsoft.com/office/drawing/2014/main" id="{EE350F56-596B-0B75-B4D8-C3970CDD0DE8}"/>
+                <a16:creationId xmlns:a16="http://schemas.microsoft.com/office/drawing/2014/main" xmlns="" id="{A73E6A7D-D1FC-7C13-F2BD-D3EC307957D6}"/>
               </a:ext>
             </a:extLst>
           </p:cNvPr>
@@ -7499,61 +7482,18 @@
         </p:blipFill>
         <p:spPr>
           <a:xfrm>
-            <a:off x="2327081" y="1101605"/>
-            <a:ext cx="7537837" cy="4654789"/>
+            <a:off x="1342780" y="1857294"/>
+            <a:ext cx="9506439" cy="3143412"/>
           </a:xfrm>
           <a:prstGeom prst="rect">
             <a:avLst/>
           </a:prstGeom>
         </p:spPr>
       </p:pic>
-      <p:sp>
-        <p:nvSpPr>
-          <p:cNvPr id="5" name="TextBox 4">
-            <a:extLst>
-              <a:ext uri="{FF2B5EF4-FFF2-40B4-BE49-F238E27FC236}">
-                <a16:creationId xmlns:a16="http://schemas.microsoft.com/office/drawing/2014/main" id="{37BF0C49-9D81-CE62-EB02-7C333F5BA93B}"/>
-              </a:ext>
-            </a:extLst>
-          </p:cNvPr>
-          <p:cNvSpPr txBox="1"/>
-          <p:nvPr/>
-        </p:nvSpPr>
-        <p:spPr>
-          <a:xfrm>
-            <a:off x="5131722" y="6220144"/>
-            <a:ext cx="1928553" cy="369332"/>
-          </a:xfrm>
-          <a:prstGeom prst="rect">
-            <a:avLst/>
-          </a:prstGeom>
-          <a:noFill/>
-        </p:spPr>
-        <p:txBody>
-          <a:bodyPr wrap="square" rtlCol="0">
-            <a:spAutoFit/>
-          </a:bodyPr>
-          <a:lstStyle/>
-          <a:p>
-            <a:r>
-              <a:rPr lang="en-US" altLang="ko-KR" dirty="0" err="1"/>
-              <a:t>Wifi</a:t>
-            </a:r>
-            <a:r>
-              <a:rPr lang="en-US" altLang="ko-KR" dirty="0"/>
-              <a:t>(3) </a:t>
-            </a:r>
-            <a:r>
-              <a:rPr lang="ko-KR" altLang="en-US" dirty="0"/>
-              <a:t>코드 작성</a:t>
-            </a:r>
-          </a:p>
-        </p:txBody>
-      </p:sp>
     </p:spTree>
     <p:extLst>
       <p:ext uri="{BB962C8B-B14F-4D97-AF65-F5344CB8AC3E}">
-        <p14:creationId xmlns:p14="http://schemas.microsoft.com/office/powerpoint/2010/main" val="1928812174"/>
+        <p14:creationId xmlns:p14="http://schemas.microsoft.com/office/powerpoint/2010/main" val="3615391218"/>
       </p:ext>
     </p:extLst>
   </p:cSld>
@@ -7632,10 +7572,10 @@
       </p:sp>
       <p:pic>
         <p:nvPicPr>
-          <p:cNvPr id="5" name="그림 4">
+          <p:cNvPr id="4" name="그림 3">
             <a:extLst>
               <a:ext uri="{FF2B5EF4-FFF2-40B4-BE49-F238E27FC236}">
-                <a16:creationId xmlns:a16="http://schemas.microsoft.com/office/drawing/2014/main" id="{A73E6A7D-D1FC-7C13-F2BD-D3EC307957D6}"/>
+                <a16:creationId xmlns:a16="http://schemas.microsoft.com/office/drawing/2014/main" xmlns="" id="{DF33CE96-A926-F601-94C6-93B815937106}"/>
               </a:ext>
             </a:extLst>
           </p:cNvPr>
@@ -7652,130 +7592,20 @@
         </p:blipFill>
         <p:spPr>
           <a:xfrm>
-            <a:off x="1342780" y="1857294"/>
-            <a:ext cx="9506439" cy="3143412"/>
+            <a:off x="1336430" y="1835068"/>
+            <a:ext cx="9519139" cy="3187864"/>
           </a:xfrm>
           <a:prstGeom prst="rect">
             <a:avLst/>
           </a:prstGeom>
         </p:spPr>
       </p:pic>
-    </p:spTree>
-    <p:extLst>
-      <p:ext uri="{BB962C8B-B14F-4D97-AF65-F5344CB8AC3E}">
-        <p14:creationId xmlns:p14="http://schemas.microsoft.com/office/powerpoint/2010/main" val="3615391218"/>
-      </p:ext>
-    </p:extLst>
-  </p:cSld>
-  <p:clrMapOvr>
-    <a:masterClrMapping/>
-  </p:clrMapOvr>
-</p:sld>
-</file>
-
-<file path=ppt/slides/slide27.xml><?xml version="1.0" encoding="utf-8"?>
-<p:sld xmlns:a="http://schemas.openxmlformats.org/drawingml/2006/main" xmlns:r="http://schemas.openxmlformats.org/officeDocument/2006/relationships" xmlns:p="http://schemas.openxmlformats.org/presentationml/2006/main">
-  <p:cSld>
-    <p:spTree>
-      <p:nvGrpSpPr>
-        <p:cNvPr id="1" name=""/>
-        <p:cNvGrpSpPr/>
-        <p:nvPr/>
-      </p:nvGrpSpPr>
-      <p:grpSpPr>
-        <a:xfrm>
-          <a:off x="0" y="0"/>
-          <a:ext cx="0" cy="0"/>
-          <a:chOff x="0" y="0"/>
-          <a:chExt cx="0" cy="0"/>
-        </a:xfrm>
-      </p:grpSpPr>
-      <p:sp>
-        <p:nvSpPr>
-          <p:cNvPr id="2" name="제목 1"/>
-          <p:cNvSpPr>
-            <a:spLocks noGrp="1"/>
-          </p:cNvSpPr>
-          <p:nvPr>
-            <p:ph type="title"/>
-          </p:nvPr>
-        </p:nvSpPr>
-        <p:spPr>
-          <a:xfrm>
-            <a:off x="721895" y="0"/>
-            <a:ext cx="9601200" cy="453189"/>
-          </a:xfrm>
-        </p:spPr>
-        <p:txBody>
-          <a:bodyPr>
-            <a:normAutofit/>
-          </a:bodyPr>
-          <a:lstStyle/>
-          <a:p>
-            <a:r>
-              <a:rPr lang="ko-KR" altLang="en-US" sz="1600" dirty="0"/>
-              <a:t>슬라이드 </a:t>
-            </a:r>
-            <a:r>
-              <a:rPr lang="en-US" altLang="ko-KR" sz="1600" dirty="0"/>
-              <a:t>22 </a:t>
-            </a:r>
-            <a:r>
-              <a:rPr lang="ko-KR" altLang="en-US" sz="1600" dirty="0"/>
-              <a:t>실습 </a:t>
-            </a:r>
-            <a:r>
-              <a:rPr lang="en-US" altLang="ko-KR" sz="1600" dirty="0"/>
-              <a:t>– </a:t>
-            </a:r>
-            <a:r>
-              <a:rPr lang="en-US" altLang="ko-KR" sz="1600" dirty="0" err="1"/>
-              <a:t>wifi</a:t>
-            </a:r>
-            <a:r>
-              <a:rPr lang="en-US" altLang="ko-KR" sz="1600" dirty="0"/>
-              <a:t>(3)</a:t>
-            </a:r>
-            <a:endParaRPr lang="ko-KR" altLang="en-US" sz="1600" dirty="0"/>
-          </a:p>
-        </p:txBody>
-      </p:sp>
-      <p:pic>
-        <p:nvPicPr>
-          <p:cNvPr id="4" name="그림 3">
-            <a:extLst>
-              <a:ext uri="{FF2B5EF4-FFF2-40B4-BE49-F238E27FC236}">
-                <a16:creationId xmlns:a16="http://schemas.microsoft.com/office/drawing/2014/main" id="{DF33CE96-A926-F601-94C6-93B815937106}"/>
-              </a:ext>
-            </a:extLst>
-          </p:cNvPr>
-          <p:cNvPicPr>
-            <a:picLocks noChangeAspect="1"/>
-          </p:cNvPicPr>
-          <p:nvPr/>
-        </p:nvPicPr>
-        <p:blipFill>
-          <a:blip r:embed="rId2"/>
-          <a:stretch>
-            <a:fillRect/>
-          </a:stretch>
-        </p:blipFill>
-        <p:spPr>
-          <a:xfrm>
-            <a:off x="1336430" y="1835068"/>
-            <a:ext cx="9519139" cy="3187864"/>
-          </a:xfrm>
-          <a:prstGeom prst="rect">
-            <a:avLst/>
-          </a:prstGeom>
-        </p:spPr>
-      </p:pic>
       <p:sp>
         <p:nvSpPr>
           <p:cNvPr id="5" name="TextBox 4">
             <a:extLst>
               <a:ext uri="{FF2B5EF4-FFF2-40B4-BE49-F238E27FC236}">
-                <a16:creationId xmlns:a16="http://schemas.microsoft.com/office/drawing/2014/main" id="{316D9901-1BD9-1812-BCC5-DD6F60C90F5F}"/>
+                <a16:creationId xmlns:a16="http://schemas.microsoft.com/office/drawing/2014/main" xmlns="" id="{316D9901-1BD9-1812-BCC5-DD6F60C90F5F}"/>
               </a:ext>
             </a:extLst>
           </p:cNvPr>
@@ -7877,6 +7707,10 @@
               <a:rPr lang="ko-KR" altLang="en-US" sz="1600" dirty="0"/>
               <a:t>기본함수 몇 가지 </a:t>
             </a:r>
+            <a:r>
+              <a:rPr lang="en-US" altLang="ko-KR" sz="1600" dirty="0"/>
+              <a:t/>
+            </a:r>
             <a:br>
               <a:rPr lang="en-US" altLang="ko-KR" sz="1600" dirty="0"/>
             </a:br>
@@ -7889,7 +7723,7 @@
           <p:cNvPr id="11" name="그림 10">
             <a:extLst>
               <a:ext uri="{FF2B5EF4-FFF2-40B4-BE49-F238E27FC236}">
-                <a16:creationId xmlns:a16="http://schemas.microsoft.com/office/drawing/2014/main" id="{05300FD9-F82E-98D3-A5F6-1C5F6691B228}"/>
+                <a16:creationId xmlns:a16="http://schemas.microsoft.com/office/drawing/2014/main" xmlns="" id="{05300FD9-F82E-98D3-A5F6-1C5F6691B228}"/>
               </a:ext>
             </a:extLst>
           </p:cNvPr>
@@ -7916,10 +7750,10 @@
       </p:pic>
       <p:pic>
         <p:nvPicPr>
-          <p:cNvPr id="13" name="그림 12">
+          <p:cNvPr id="14" name="그림 13">
             <a:extLst>
               <a:ext uri="{FF2B5EF4-FFF2-40B4-BE49-F238E27FC236}">
-                <a16:creationId xmlns:a16="http://schemas.microsoft.com/office/drawing/2014/main" id="{71AD821A-4ACC-33CF-426C-99AF88434D49}"/>
+                <a16:creationId xmlns:a16="http://schemas.microsoft.com/office/drawing/2014/main" xmlns="" id="{FCEDA086-EDC3-7457-C5AA-FE2453750C53}"/>
               </a:ext>
             </a:extLst>
           </p:cNvPr>
@@ -7936,23 +7770,73 @@
         </p:blipFill>
         <p:spPr>
           <a:xfrm>
-            <a:off x="2294632" y="4555472"/>
-            <a:ext cx="2578233" cy="673135"/>
+            <a:off x="7319136" y="4180803"/>
+            <a:ext cx="1809843" cy="1047804"/>
           </a:xfrm>
           <a:prstGeom prst="rect">
             <a:avLst/>
           </a:prstGeom>
         </p:spPr>
       </p:pic>
-      <p:pic>
-        <p:nvPicPr>
-          <p:cNvPr id="14" name="그림 13">
+      <p:sp>
+        <p:nvSpPr>
+          <p:cNvPr id="15" name="TextBox 14">
             <a:extLst>
               <a:ext uri="{FF2B5EF4-FFF2-40B4-BE49-F238E27FC236}">
-                <a16:creationId xmlns:a16="http://schemas.microsoft.com/office/drawing/2014/main" id="{FCEDA086-EDC3-7457-C5AA-FE2453750C53}"/>
+                <a16:creationId xmlns:a16="http://schemas.microsoft.com/office/drawing/2014/main" xmlns="" id="{609B9FAD-9BC0-B3C7-CA21-4AFE76A29BB6}"/>
               </a:ext>
             </a:extLst>
           </p:cNvPr>
+          <p:cNvSpPr txBox="1"/>
+          <p:nvPr/>
+        </p:nvSpPr>
+        <p:spPr>
+          <a:xfrm>
+            <a:off x="2864318" y="5834439"/>
+            <a:ext cx="7095132" cy="369332"/>
+          </a:xfrm>
+          <a:prstGeom prst="rect">
+            <a:avLst/>
+          </a:prstGeom>
+          <a:noFill/>
+        </p:spPr>
+        <p:txBody>
+          <a:bodyPr wrap="square" rtlCol="0">
+            <a:spAutoFit/>
+          </a:bodyPr>
+          <a:lstStyle/>
+          <a:p>
+            <a:r>
+              <a:rPr lang="ko-KR" altLang="en-US" dirty="0"/>
+              <a:t>처음 화면에서 </a:t>
+            </a:r>
+            <a:r>
+              <a:rPr lang="en-US" altLang="ko-KR" dirty="0"/>
+              <a:t>Hello </a:t>
+            </a:r>
+            <a:r>
+              <a:rPr lang="ko-KR" altLang="en-US" dirty="0"/>
+              <a:t>클릭 시 </a:t>
+            </a:r>
+            <a:r>
+              <a:rPr lang="ko-KR" altLang="en-US" dirty="0" err="1"/>
+              <a:t>폴리텍</a:t>
+            </a:r>
+            <a:r>
+              <a:rPr lang="ko-KR" altLang="en-US" dirty="0"/>
+              <a:t> 홈페이지로 </a:t>
+            </a:r>
+            <a:r>
+              <a:rPr lang="ko-KR" altLang="en-US" dirty="0" err="1"/>
+              <a:t>넘어가짐</a:t>
+            </a:r>
+            <a:endParaRPr lang="ko-KR" altLang="en-US" dirty="0"/>
+          </a:p>
+        </p:txBody>
+      </p:sp>
+      <p:pic>
+        <p:nvPicPr>
+          <p:cNvPr id="3" name="그림 2"/>
           <p:cNvPicPr>
             <a:picLocks noChangeAspect="1"/>
           </p:cNvPicPr>
@@ -7966,70 +7850,14 @@
         </p:blipFill>
         <p:spPr>
           <a:xfrm>
-            <a:off x="7319136" y="4180803"/>
-            <a:ext cx="1809843" cy="1047804"/>
+            <a:off x="2359609" y="4323652"/>
+            <a:ext cx="1200318" cy="762106"/>
           </a:xfrm>
           <a:prstGeom prst="rect">
             <a:avLst/>
           </a:prstGeom>
         </p:spPr>
       </p:pic>
-      <p:sp>
-        <p:nvSpPr>
-          <p:cNvPr id="15" name="TextBox 14">
-            <a:extLst>
-              <a:ext uri="{FF2B5EF4-FFF2-40B4-BE49-F238E27FC236}">
-                <a16:creationId xmlns:a16="http://schemas.microsoft.com/office/drawing/2014/main" id="{609B9FAD-9BC0-B3C7-CA21-4AFE76A29BB6}"/>
-              </a:ext>
-            </a:extLst>
-          </p:cNvPr>
-          <p:cNvSpPr txBox="1"/>
-          <p:nvPr/>
-        </p:nvSpPr>
-        <p:spPr>
-          <a:xfrm>
-            <a:off x="2864318" y="5834439"/>
-            <a:ext cx="7095132" cy="369332"/>
-          </a:xfrm>
-          <a:prstGeom prst="rect">
-            <a:avLst/>
-          </a:prstGeom>
-          <a:noFill/>
-        </p:spPr>
-        <p:txBody>
-          <a:bodyPr wrap="square" rtlCol="0">
-            <a:spAutoFit/>
-          </a:bodyPr>
-          <a:lstStyle/>
-          <a:p>
-            <a:r>
-              <a:rPr lang="ko-KR" altLang="en-US" dirty="0"/>
-              <a:t>처음 화면에서 </a:t>
-            </a:r>
-            <a:r>
-              <a:rPr lang="en-US" altLang="ko-KR" dirty="0"/>
-              <a:t>Hello </a:t>
-            </a:r>
-            <a:r>
-              <a:rPr lang="ko-KR" altLang="en-US" dirty="0"/>
-              <a:t>클릭 시 </a:t>
-            </a:r>
-            <a:r>
-              <a:rPr lang="ko-KR" altLang="en-US" dirty="0" err="1"/>
-              <a:t>폴리텍</a:t>
-            </a:r>
-            <a:r>
-              <a:rPr lang="ko-KR" altLang="en-US" dirty="0"/>
-              <a:t> 홈페이지로 </a:t>
-            </a:r>
-            <a:r>
-              <a:rPr lang="ko-KR" altLang="en-US" dirty="0" err="1"/>
-              <a:t>넘어가짐</a:t>
-            </a:r>
-            <a:endParaRPr lang="ko-KR" altLang="en-US" dirty="0"/>
-          </a:p>
-        </p:txBody>
-      </p:sp>
     </p:spTree>
     <p:extLst>
       <p:ext uri="{BB962C8B-B14F-4D97-AF65-F5344CB8AC3E}">
@@ -8150,7 +7978,7 @@
           <p:cNvPr id="5" name="그림 4">
             <a:extLst>
               <a:ext uri="{FF2B5EF4-FFF2-40B4-BE49-F238E27FC236}">
-                <a16:creationId xmlns:a16="http://schemas.microsoft.com/office/drawing/2014/main" id="{2F7EB854-D58F-39D5-970D-8B5ADFA5C109}"/>
+                <a16:creationId xmlns:a16="http://schemas.microsoft.com/office/drawing/2014/main" xmlns="" id="{2F7EB854-D58F-39D5-970D-8B5ADFA5C109}"/>
               </a:ext>
             </a:extLst>
           </p:cNvPr>
@@ -8180,7 +8008,7 @@
           <p:cNvPr id="9" name="그림 8">
             <a:extLst>
               <a:ext uri="{FF2B5EF4-FFF2-40B4-BE49-F238E27FC236}">
-                <a16:creationId xmlns:a16="http://schemas.microsoft.com/office/drawing/2014/main" id="{7756365D-3473-8857-D70F-BA845DBD1711}"/>
+                <a16:creationId xmlns:a16="http://schemas.microsoft.com/office/drawing/2014/main" xmlns="" id="{7756365D-3473-8857-D70F-BA845DBD1711}"/>
               </a:ext>
             </a:extLst>
           </p:cNvPr>
@@ -8210,7 +8038,7 @@
           <p:cNvPr id="10" name="TextBox 9">
             <a:extLst>
               <a:ext uri="{FF2B5EF4-FFF2-40B4-BE49-F238E27FC236}">
-                <a16:creationId xmlns:a16="http://schemas.microsoft.com/office/drawing/2014/main" id="{97690528-148B-6CAC-B3D7-2981A5975C9A}"/>
+                <a16:creationId xmlns:a16="http://schemas.microsoft.com/office/drawing/2014/main" xmlns="" id="{97690528-148B-6CAC-B3D7-2981A5975C9A}"/>
               </a:ext>
             </a:extLst>
           </p:cNvPr>
@@ -8357,10 +8185,10 @@
       </p:sp>
       <p:pic>
         <p:nvPicPr>
-          <p:cNvPr id="5" name="그림 4">
+          <p:cNvPr id="6" name="그림 5">
             <a:extLst>
               <a:ext uri="{FF2B5EF4-FFF2-40B4-BE49-F238E27FC236}">
-                <a16:creationId xmlns:a16="http://schemas.microsoft.com/office/drawing/2014/main" id="{9E91C6F3-1453-5E2A-D6C2-9462F27BC6C7}"/>
+                <a16:creationId xmlns:a16="http://schemas.microsoft.com/office/drawing/2014/main" xmlns="" id="{7756365D-3473-8857-D70F-BA845DBD1711}"/>
               </a:ext>
             </a:extLst>
           </p:cNvPr>
@@ -8377,8 +8205,67 @@
         </p:blipFill>
         <p:spPr>
           <a:xfrm>
-            <a:off x="0" y="1142882"/>
-            <a:ext cx="6299524" cy="4572235"/>
+            <a:off x="7465637" y="2914034"/>
+            <a:ext cx="3683625" cy="1029930"/>
+          </a:xfrm>
+          <a:prstGeom prst="rect">
+            <a:avLst/>
+          </a:prstGeom>
+        </p:spPr>
+      </p:pic>
+      <p:sp>
+        <p:nvSpPr>
+          <p:cNvPr id="7" name="TextBox 6">
+            <a:extLst>
+              <a:ext uri="{FF2B5EF4-FFF2-40B4-BE49-F238E27FC236}">
+                <a16:creationId xmlns:a16="http://schemas.microsoft.com/office/drawing/2014/main" xmlns="" id="{97690528-148B-6CAC-B3D7-2981A5975C9A}"/>
+              </a:ext>
+            </a:extLst>
+          </p:cNvPr>
+          <p:cNvSpPr txBox="1"/>
+          <p:nvPr/>
+        </p:nvSpPr>
+        <p:spPr>
+          <a:xfrm>
+            <a:off x="8717245" y="4299139"/>
+            <a:ext cx="1180407" cy="369332"/>
+          </a:xfrm>
+          <a:prstGeom prst="rect">
+            <a:avLst/>
+          </a:prstGeom>
+          <a:noFill/>
+        </p:spPr>
+        <p:txBody>
+          <a:bodyPr wrap="square" rtlCol="0">
+            <a:spAutoFit/>
+          </a:bodyPr>
+          <a:lstStyle/>
+          <a:p>
+            <a:r>
+              <a:rPr lang="ko-KR" altLang="en-US"/>
+              <a:t>출력 결과</a:t>
+            </a:r>
+          </a:p>
+        </p:txBody>
+      </p:sp>
+      <p:pic>
+        <p:nvPicPr>
+          <p:cNvPr id="4" name="그림 3"/>
+          <p:cNvPicPr>
+            <a:picLocks noChangeAspect="1"/>
+          </p:cNvPicPr>
+          <p:nvPr/>
+        </p:nvPicPr>
+        <p:blipFill>
+          <a:blip r:embed="rId3"/>
+          <a:stretch>
+            <a:fillRect/>
+          </a:stretch>
+        </p:blipFill>
+        <p:spPr>
+          <a:xfrm>
+            <a:off x="721895" y="1118864"/>
+            <a:ext cx="5296639" cy="4620270"/>
           </a:xfrm>
           <a:prstGeom prst="rect">
             <a:avLst/>
@@ -8460,6 +8347,10 @@
             <a:br>
               <a:rPr lang="ko-KR" altLang="en-US" sz="1600" dirty="0"/>
             </a:br>
+            <a:r>
+              <a:rPr lang="en-US" altLang="ko-KR" sz="1600" dirty="0"/>
+              <a:t/>
+            </a:r>
             <a:br>
               <a:rPr lang="en-US" altLang="ko-KR" sz="1600" dirty="0"/>
             </a:br>
@@ -8472,7 +8363,7 @@
           <p:cNvPr id="5" name="그림 4">
             <a:extLst>
               <a:ext uri="{FF2B5EF4-FFF2-40B4-BE49-F238E27FC236}">
-                <a16:creationId xmlns:a16="http://schemas.microsoft.com/office/drawing/2014/main" id="{356B1CA1-D735-D23E-7665-FB34C04D32BA}"/>
+                <a16:creationId xmlns:a16="http://schemas.microsoft.com/office/drawing/2014/main" xmlns="" id="{356B1CA1-D735-D23E-7665-FB34C04D32BA}"/>
               </a:ext>
             </a:extLst>
           </p:cNvPr>
@@ -8502,7 +8393,7 @@
           <p:cNvPr id="9" name="그림 8">
             <a:extLst>
               <a:ext uri="{FF2B5EF4-FFF2-40B4-BE49-F238E27FC236}">
-                <a16:creationId xmlns:a16="http://schemas.microsoft.com/office/drawing/2014/main" id="{07785F48-5FF0-AC6C-F556-EDF9343D9DCF}"/>
+                <a16:creationId xmlns:a16="http://schemas.microsoft.com/office/drawing/2014/main" xmlns="" id="{07785F48-5FF0-AC6C-F556-EDF9343D9DCF}"/>
               </a:ext>
             </a:extLst>
           </p:cNvPr>
@@ -8603,9 +8494,17 @@
               <a:rPr lang="en-US" altLang="ko-KR" sz="1600" dirty="0"/>
               <a:t>1</a:t>
             </a:r>
+            <a:r>
+              <a:rPr lang="ko-KR" altLang="en-US" sz="1600" dirty="0"/>
+              <a:t/>
+            </a:r>
             <a:br>
               <a:rPr lang="ko-KR" altLang="en-US" sz="1600" dirty="0"/>
             </a:br>
+            <a:r>
+              <a:rPr lang="en-US" altLang="ko-KR" sz="1600" dirty="0"/>
+              <a:t/>
+            </a:r>
             <a:br>
               <a:rPr lang="en-US" altLang="ko-KR" sz="1600" dirty="0"/>
             </a:br>
@@ -8618,7 +8517,7 @@
           <p:cNvPr id="4" name="그림 3">
             <a:extLst>
               <a:ext uri="{FF2B5EF4-FFF2-40B4-BE49-F238E27FC236}">
-                <a16:creationId xmlns:a16="http://schemas.microsoft.com/office/drawing/2014/main" id="{1D44335A-1FAE-78D4-9B68-8AFC0930E5FB}"/>
+                <a16:creationId xmlns:a16="http://schemas.microsoft.com/office/drawing/2014/main" xmlns="" id="{1D44335A-1FAE-78D4-9B68-8AFC0930E5FB}"/>
               </a:ext>
             </a:extLst>
           </p:cNvPr>
@@ -8648,7 +8547,7 @@
           <p:cNvPr id="10" name="그림 9">
             <a:extLst>
               <a:ext uri="{FF2B5EF4-FFF2-40B4-BE49-F238E27FC236}">
-                <a16:creationId xmlns:a16="http://schemas.microsoft.com/office/drawing/2014/main" id="{40B764FB-6771-0594-E8DE-096296D8BBB6}"/>
+                <a16:creationId xmlns:a16="http://schemas.microsoft.com/office/drawing/2014/main" xmlns="" id="{40B764FB-6771-0594-E8DE-096296D8BBB6}"/>
               </a:ext>
             </a:extLst>
           </p:cNvPr>
@@ -8678,7 +8577,7 @@
           <p:cNvPr id="11" name="TextBox 10">
             <a:extLst>
               <a:ext uri="{FF2B5EF4-FFF2-40B4-BE49-F238E27FC236}">
-                <a16:creationId xmlns:a16="http://schemas.microsoft.com/office/drawing/2014/main" id="{933070C0-C072-F959-2261-80D220FD455D}"/>
+                <a16:creationId xmlns:a16="http://schemas.microsoft.com/office/drawing/2014/main" xmlns="" id="{933070C0-C072-F959-2261-80D220FD455D}"/>
               </a:ext>
             </a:extLst>
           </p:cNvPr>
@@ -8788,6 +8687,10 @@
               <a:rPr lang="en-US" altLang="ko-KR" sz="1600" dirty="0"/>
               <a:t>2</a:t>
             </a:r>
+            <a:r>
+              <a:rPr lang="ko-KR" altLang="en-US" sz="1600" dirty="0"/>
+              <a:t/>
+            </a:r>
             <a:br>
               <a:rPr lang="ko-KR" altLang="en-US" sz="1600" dirty="0"/>
             </a:br>
@@ -8800,7 +8703,7 @@
           <p:cNvPr id="5" name="그림 4">
             <a:extLst>
               <a:ext uri="{FF2B5EF4-FFF2-40B4-BE49-F238E27FC236}">
-                <a16:creationId xmlns:a16="http://schemas.microsoft.com/office/drawing/2014/main" id="{E6A0EDB5-511B-814B-FF07-D0DF2C393406}"/>
+                <a16:creationId xmlns:a16="http://schemas.microsoft.com/office/drawing/2014/main" xmlns="" id="{E6A0EDB5-511B-814B-FF07-D0DF2C393406}"/>
               </a:ext>
             </a:extLst>
           </p:cNvPr>
@@ -8830,7 +8733,7 @@
           <p:cNvPr id="8" name="그림 7">
             <a:extLst>
               <a:ext uri="{FF2B5EF4-FFF2-40B4-BE49-F238E27FC236}">
-                <a16:creationId xmlns:a16="http://schemas.microsoft.com/office/drawing/2014/main" id="{FD2C622E-2BA5-0203-ABF4-A367ECBC0849}"/>
+                <a16:creationId xmlns:a16="http://schemas.microsoft.com/office/drawing/2014/main" xmlns="" id="{FD2C622E-2BA5-0203-ABF4-A367ECBC0849}"/>
               </a:ext>
             </a:extLst>
           </p:cNvPr>
@@ -8860,7 +8763,7 @@
           <p:cNvPr id="9" name="TextBox 8">
             <a:extLst>
               <a:ext uri="{FF2B5EF4-FFF2-40B4-BE49-F238E27FC236}">
-                <a16:creationId xmlns:a16="http://schemas.microsoft.com/office/drawing/2014/main" id="{D14E531D-D2D0-4396-0C8C-4658C8B7DE18}"/>
+                <a16:creationId xmlns:a16="http://schemas.microsoft.com/office/drawing/2014/main" xmlns="" id="{D14E531D-D2D0-4396-0C8C-4658C8B7DE18}"/>
               </a:ext>
             </a:extLst>
           </p:cNvPr>
@@ -8974,7 +8877,7 @@
           <p:cNvPr id="6" name="그림 5">
             <a:extLst>
               <a:ext uri="{FF2B5EF4-FFF2-40B4-BE49-F238E27FC236}">
-                <a16:creationId xmlns:a16="http://schemas.microsoft.com/office/drawing/2014/main" id="{44F14EBC-1530-4288-F8EC-8CF613A7059E}"/>
+                <a16:creationId xmlns:a16="http://schemas.microsoft.com/office/drawing/2014/main" xmlns="" id="{44F14EBC-1530-4288-F8EC-8CF613A7059E}"/>
               </a:ext>
             </a:extLst>
           </p:cNvPr>
@@ -9004,7 +8907,7 @@
           <p:cNvPr id="8" name="그림 7">
             <a:extLst>
               <a:ext uri="{FF2B5EF4-FFF2-40B4-BE49-F238E27FC236}">
-                <a16:creationId xmlns:a16="http://schemas.microsoft.com/office/drawing/2014/main" id="{B44C0281-17C4-E5D9-FE68-5A581217E0F4}"/>
+                <a16:creationId xmlns:a16="http://schemas.microsoft.com/office/drawing/2014/main" xmlns="" id="{B44C0281-17C4-E5D9-FE68-5A581217E0F4}"/>
               </a:ext>
             </a:extLst>
           </p:cNvPr>
@@ -9034,7 +8937,7 @@
           <p:cNvPr id="9" name="TextBox 8">
             <a:extLst>
               <a:ext uri="{FF2B5EF4-FFF2-40B4-BE49-F238E27FC236}">
-                <a16:creationId xmlns:a16="http://schemas.microsoft.com/office/drawing/2014/main" id="{6E8E0379-CF8F-B6BA-DD64-1A483A8A9ACC}"/>
+                <a16:creationId xmlns:a16="http://schemas.microsoft.com/office/drawing/2014/main" xmlns="" id="{6E8E0379-CF8F-B6BA-DD64-1A483A8A9ACC}"/>
               </a:ext>
             </a:extLst>
           </p:cNvPr>
